--- a/Docs/Presentations/Leif Roguelike Celebration 2020.pptx
+++ b/Docs/Presentations/Leif Roguelike Celebration 2020.pptx
@@ -5,49 +5,48 @@
     <p:sldMasterId id="2147483648" r:id="rId4"/>
   </p:sldMasterIdLst>
   <p:notesMasterIdLst>
-    <p:notesMasterId r:id="rId16"/>
+    <p:notesMasterId r:id="rId15"/>
   </p:notesMasterIdLst>
   <p:handoutMasterIdLst>
-    <p:handoutMasterId r:id="rId17"/>
+    <p:handoutMasterId r:id="rId16"/>
   </p:handoutMasterIdLst>
   <p:sldIdLst>
     <p:sldId id="304" r:id="rId5"/>
     <p:sldId id="287" r:id="rId6"/>
-    <p:sldId id="281" r:id="rId7"/>
-    <p:sldId id="301" r:id="rId8"/>
+    <p:sldId id="301" r:id="rId7"/>
+    <p:sldId id="293" r:id="rId8"/>
     <p:sldId id="300" r:id="rId9"/>
-    <p:sldId id="293" r:id="rId10"/>
-    <p:sldId id="297" r:id="rId11"/>
-    <p:sldId id="299" r:id="rId12"/>
-    <p:sldId id="296" r:id="rId13"/>
-    <p:sldId id="284" r:id="rId14"/>
-    <p:sldId id="295" r:id="rId15"/>
+    <p:sldId id="297" r:id="rId10"/>
+    <p:sldId id="299" r:id="rId11"/>
+    <p:sldId id="296" r:id="rId12"/>
+    <p:sldId id="284" r:id="rId13"/>
+    <p:sldId id="295" r:id="rId14"/>
   </p:sldIdLst>
   <p:sldSz cx="12192000" cy="6858000"/>
   <p:notesSz cx="6858000" cy="9144000"/>
   <p:embeddedFontLst>
     <p:embeddedFont>
       <p:font typeface="C64 Pro Mono" panose="02010609060202080101" pitchFamily="49" charset="0"/>
-      <p:regular r:id="rId18"/>
+      <p:regular r:id="rId17"/>
     </p:embeddedFont>
     <p:embeddedFont>
       <p:font typeface="Candara" panose="020E0502030303020204" pitchFamily="34" charset="0"/>
-      <p:regular r:id="rId19"/>
-      <p:bold r:id="rId20"/>
-      <p:italic r:id="rId21"/>
-      <p:boldItalic r:id="rId22"/>
+      <p:regular r:id="rId18"/>
+      <p:bold r:id="rId19"/>
+      <p:italic r:id="rId20"/>
+      <p:boldItalic r:id="rId21"/>
     </p:embeddedFont>
     <p:embeddedFont>
       <p:font typeface="Consolas" panose="020B0609020204030204" pitchFamily="49" charset="0"/>
-      <p:regular r:id="rId23"/>
-      <p:bold r:id="rId24"/>
-      <p:italic r:id="rId25"/>
-      <p:boldItalic r:id="rId26"/>
+      <p:regular r:id="rId22"/>
+      <p:bold r:id="rId23"/>
+      <p:italic r:id="rId24"/>
+      <p:boldItalic r:id="rId25"/>
     </p:embeddedFont>
     <p:embeddedFont>
       <p:font typeface="Goudy Mediaeval" panose="02000503020000020003" pitchFamily="2" charset="0"/>
-      <p:regular r:id="rId27"/>
-      <p:bold r:id="rId28"/>
+      <p:regular r:id="rId26"/>
+      <p:bold r:id="rId27"/>
     </p:embeddedFont>
   </p:embeddedFontLst>
   <p:defaultTextStyle>
@@ -2152,8 +2151,8 @@
         </p:blipFill>
         <p:spPr>
           <a:xfrm>
-            <a:off x="-36000" y="152400"/>
-            <a:ext cx="7040860" cy="6244937"/>
+            <a:off x="767540" y="2503921"/>
+            <a:ext cx="4185460" cy="3712321"/>
           </a:xfrm>
           <a:prstGeom prst="rect">
             <a:avLst/>
@@ -2168,74 +2167,6 @@
       </p:pic>
       <p:sp>
         <p:nvSpPr>
-          <p:cNvPr id="7" name="Title 1"/>
-          <p:cNvSpPr txBox="1">
-            <a:spLocks/>
-          </p:cNvSpPr>
-          <p:nvPr/>
-        </p:nvSpPr>
-        <p:spPr>
-          <a:xfrm>
-            <a:off x="381000" y="238005"/>
-            <a:ext cx="12217400" cy="1006186"/>
-          </a:xfrm>
-          <a:prstGeom prst="rect">
-            <a:avLst/>
-          </a:prstGeom>
-          <a:noFill/>
-        </p:spPr>
-        <p:txBody>
-          <a:bodyPr vert="horz" lIns="91440" tIns="45720" rIns="91440" bIns="45720" rtlCol="0" anchor="b">
-            <a:normAutofit/>
-          </a:bodyPr>
-          <a:lstStyle>
-            <a:lvl1pPr algn="l" defTabSz="914400" rtl="0" eaLnBrk="1" latinLnBrk="0" hangingPunct="1">
-              <a:lnSpc>
-                <a:spcPct val="90000"/>
-              </a:lnSpc>
-              <a:spcBef>
-                <a:spcPct val="0"/>
-              </a:spcBef>
-              <a:buNone/>
-              <a:defRPr sz="3600" kern="1200">
-                <a:solidFill>
-                  <a:srgbClr val="FFFF00"/>
-                </a:solidFill>
-                <a:latin typeface="Commodore 64" panose="02050604010706020503" pitchFamily="18" charset="2"/>
-                <a:ea typeface="+mj-ea"/>
-                <a:cs typeface="+mj-cs"/>
-              </a:defRPr>
-            </a:lvl1pPr>
-          </a:lstStyle>
-          <a:p>
-            <a:pPr algn="ctr"/>
-            <a:r>
-              <a:rPr lang="en-CA" sz="5400" dirty="0">
-                <a:gradFill>
-                  <a:gsLst>
-                    <a:gs pos="0">
-                      <a:schemeClr val="bg2">
-                        <a:lumMod val="20000"/>
-                        <a:lumOff val="80000"/>
-                      </a:schemeClr>
-                    </a:gs>
-                    <a:gs pos="100000">
-                      <a:schemeClr val="tx1">
-                        <a:lumMod val="50000"/>
-                      </a:schemeClr>
-                    </a:gs>
-                  </a:gsLst>
-                  <a:lin ang="5400000" scaled="1"/>
-                </a:gradFill>
-                <a:latin typeface="Goudy Mediaeval" panose="02000503020000020003" pitchFamily="2" charset="0"/>
-              </a:rPr>
-              <a:t>Dungeon of the Rogue Daemon</a:t>
-            </a:r>
-          </a:p>
-        </p:txBody>
-      </p:sp>
-      <p:sp>
-        <p:nvSpPr>
           <p:cNvPr id="8" name="Subtitle 2"/>
           <p:cNvSpPr txBox="1">
             <a:spLocks/>
@@ -2244,7 +2175,7 @@
         </p:nvSpPr>
         <p:spPr>
           <a:xfrm>
-            <a:off x="6355060" y="2055668"/>
+            <a:off x="4876800" y="2263715"/>
             <a:ext cx="5836940" cy="4192732"/>
           </a:xfrm>
           <a:prstGeom prst="rect">
@@ -2253,7 +2184,7 @@
         </p:spPr>
         <p:txBody>
           <a:bodyPr vert="horz" lIns="91440" tIns="45720" rIns="91440" bIns="45720" rtlCol="0">
-            <a:normAutofit lnSpcReduction="10000"/>
+            <a:normAutofit/>
           </a:bodyPr>
           <a:lstStyle>
             <a:lvl1pPr marL="228600" indent="-228600" algn="l" defTabSz="914400" rtl="0" eaLnBrk="1" latinLnBrk="0" hangingPunct="1">
@@ -2551,15 +2482,6 @@
             </a:br>
             <a:endParaRPr lang="en-CA" sz="2400" dirty="0">
               <a:solidFill>
-                <a:srgbClr val="FF0000"/>
-              </a:solidFill>
-              <a:latin typeface="C64 Pro Mono" panose="02010609060202080101" pitchFamily="49" charset="0"/>
-            </a:endParaRPr>
-          </a:p>
-          <a:p>
-            <a:pPr algn="ctr"/>
-            <a:endParaRPr lang="en-CA" sz="2400" dirty="0">
-              <a:solidFill>
                 <a:srgbClr val="FFC000"/>
               </a:solidFill>
               <a:latin typeface="C64 Pro Mono" panose="02010609060202080101" pitchFamily="49" charset="0"/>
@@ -2570,7 +2492,7 @@
               <a:buNone/>
             </a:pPr>
             <a:r>
-              <a:rPr lang="en-CA" sz="2400" dirty="0">
+              <a:rPr lang="en-CA" sz="2400" i="1" dirty="0">
                 <a:solidFill>
                   <a:srgbClr val="3399FF"/>
                 </a:solidFill>
@@ -2608,46 +2530,74 @@
           </a:p>
         </p:txBody>
       </p:sp>
-      <p:pic>
-        <p:nvPicPr>
-          <p:cNvPr id="9" name="Picture 8"/>
-          <p:cNvPicPr>
-            <a:picLocks noChangeAspect="1"/>
-          </p:cNvPicPr>
+      <p:sp>
+        <p:nvSpPr>
+          <p:cNvPr id="7" name="Title 1"/>
+          <p:cNvSpPr txBox="1">
+            <a:spLocks/>
+          </p:cNvSpPr>
           <p:nvPr/>
-        </p:nvPicPr>
-        <p:blipFill>
-          <a:blip r:embed="rId4">
-            <a:alphaModFix amt="79000"/>
-            <a:extLst>
-              <a:ext uri="{BEBA8EAE-BF5A-486C-A8C5-ECC9F3942E4B}">
-                <a14:imgProps xmlns:a14="http://schemas.microsoft.com/office/drawing/2010/main">
-                  <a14:imgLayer r:embed="rId5">
-                    <a14:imgEffect>
-                      <a14:saturation sat="400000"/>
-                    </a14:imgEffect>
-                    <a14:imgEffect>
-                      <a14:brightnessContrast bright="-14000" contrast="22000"/>
-                    </a14:imgEffect>
-                  </a14:imgLayer>
-                </a14:imgProps>
-              </a:ext>
-            </a:extLst>
-          </a:blip>
-          <a:stretch>
-            <a:fillRect/>
-          </a:stretch>
-        </p:blipFill>
+        </p:nvSpPr>
         <p:spPr>
           <a:xfrm>
-            <a:off x="1167920" y="1519911"/>
-            <a:ext cx="577357" cy="545282"/>
+            <a:off x="780823" y="533400"/>
+            <a:ext cx="10668000" cy="1380170"/>
           </a:xfrm>
           <a:prstGeom prst="rect">
             <a:avLst/>
           </a:prstGeom>
+          <a:noFill/>
         </p:spPr>
-      </p:pic>
+        <p:txBody>
+          <a:bodyPr vert="horz" lIns="91440" tIns="45720" rIns="91440" bIns="45720" rtlCol="0" anchor="b">
+            <a:normAutofit/>
+          </a:bodyPr>
+          <a:lstStyle>
+            <a:lvl1pPr algn="l" defTabSz="914400" rtl="0" eaLnBrk="1" latinLnBrk="0" hangingPunct="1">
+              <a:lnSpc>
+                <a:spcPct val="90000"/>
+              </a:lnSpc>
+              <a:spcBef>
+                <a:spcPct val="0"/>
+              </a:spcBef>
+              <a:buNone/>
+              <a:defRPr sz="3600" kern="1200">
+                <a:solidFill>
+                  <a:srgbClr val="FFFF00"/>
+                </a:solidFill>
+                <a:latin typeface="Commodore 64" panose="02050604010706020503" pitchFamily="18" charset="2"/>
+                <a:ea typeface="+mj-ea"/>
+                <a:cs typeface="+mj-cs"/>
+              </a:defRPr>
+            </a:lvl1pPr>
+          </a:lstStyle>
+          <a:p>
+            <a:pPr algn="ctr"/>
+            <a:r>
+              <a:rPr lang="en-CA" sz="7200" dirty="0">
+                <a:gradFill>
+                  <a:gsLst>
+                    <a:gs pos="0">
+                      <a:schemeClr val="bg2">
+                        <a:lumMod val="20000"/>
+                        <a:lumOff val="80000"/>
+                      </a:schemeClr>
+                    </a:gs>
+                    <a:gs pos="100000">
+                      <a:schemeClr val="tx1">
+                        <a:lumMod val="50000"/>
+                      </a:schemeClr>
+                    </a:gs>
+                  </a:gsLst>
+                  <a:lin ang="5400000" scaled="1"/>
+                </a:gradFill>
+                <a:latin typeface="Goudy Mediaeval" panose="02000503020000020003" pitchFamily="2" charset="0"/>
+              </a:rPr>
+              <a:t>Dungeon of the Rogue Daemon</a:t>
+            </a:r>
+          </a:p>
+        </p:txBody>
+      </p:sp>
       <p:pic>
         <p:nvPicPr>
           <p:cNvPr id="3" name="Picture 3">
@@ -2663,7 +2613,7 @@
           <p:nvPr/>
         </p:nvPicPr>
         <p:blipFill>
-          <a:blip r:embed="rId6">
+          <a:blip r:embed="rId4">
             <a:extLst>
               <a:ext uri="{28A0092B-C50C-407E-A947-70E740481C1C}">
                 <a14:useLocalDpi xmlns:a14="http://schemas.microsoft.com/office/drawing/2010/main" val="0"/>
@@ -2677,68 +2627,8 @@
         </p:blipFill>
         <p:spPr bwMode="auto">
           <a:xfrm>
-            <a:off x="1895475" y="476250"/>
-            <a:ext cx="495300" cy="421006"/>
-          </a:xfrm>
-          <a:prstGeom prst="rect">
-            <a:avLst/>
-          </a:prstGeom>
-          <a:noFill/>
-          <a:ln>
-            <a:noFill/>
-          </a:ln>
-          <a:extLst>
-            <a:ext uri="{909E8E84-426E-40DD-AFC4-6F175D3DCCD1}">
-              <a14:hiddenFill xmlns:a14="http://schemas.microsoft.com/office/drawing/2010/main">
-                <a:solidFill>
-                  <a:schemeClr val="accent1"/>
-                </a:solidFill>
-              </a14:hiddenFill>
-            </a:ext>
-            <a:ext uri="{91240B29-F687-4F45-9708-019B960494DF}">
-              <a14:hiddenLine xmlns:a14="http://schemas.microsoft.com/office/drawing/2010/main" w="9525">
-                <a:solidFill>
-                  <a:schemeClr val="tx1"/>
-                </a:solidFill>
-                <a:miter lim="800000"/>
-                <a:headEnd/>
-                <a:tailEnd/>
-              </a14:hiddenLine>
-            </a:ext>
-          </a:extLst>
-        </p:spPr>
-      </p:pic>
-      <p:pic>
-        <p:nvPicPr>
-          <p:cNvPr id="4" name="Picture 3">
-            <a:extLst>
-              <a:ext uri="{FF2B5EF4-FFF2-40B4-BE49-F238E27FC236}">
-                <a16:creationId xmlns:a16="http://schemas.microsoft.com/office/drawing/2014/main" id="{F3ABAE08-24DD-4416-8AF8-009E60A0814D}"/>
-              </a:ext>
-            </a:extLst>
-          </p:cNvPr>
-          <p:cNvPicPr>
-            <a:picLocks noChangeAspect="1" noChangeArrowheads="1"/>
-          </p:cNvPicPr>
-          <p:nvPr/>
-        </p:nvPicPr>
-        <p:blipFill>
-          <a:blip r:embed="rId6">
-            <a:extLst>
-              <a:ext uri="{28A0092B-C50C-407E-A947-70E740481C1C}">
-                <a14:useLocalDpi xmlns:a14="http://schemas.microsoft.com/office/drawing/2010/main" val="0"/>
-              </a:ext>
-            </a:extLst>
-          </a:blip>
-          <a:srcRect/>
-          <a:stretch>
-            <a:fillRect/>
-          </a:stretch>
-        </p:blipFill>
-        <p:spPr bwMode="auto">
-          <a:xfrm>
-            <a:off x="10506075" y="476250"/>
-            <a:ext cx="495300" cy="421006"/>
+            <a:off x="3276600" y="4114800"/>
+            <a:ext cx="272071" cy="231261"/>
           </a:xfrm>
           <a:prstGeom prst="rect">
             <a:avLst/>
@@ -2815,7 +2705,7 @@
           <a:p>
             <a:r>
               <a:rPr lang="en-US" dirty="0"/>
-              <a:t>Thank You!</a:t>
+              <a:t>Enough Talking, Let’s Play!</a:t>
             </a:r>
             <a:endParaRPr dirty="0"/>
           </a:p>
@@ -2833,757 +2723,7 @@
         </p:nvSpPr>
         <p:spPr>
           <a:xfrm>
-            <a:off x="457200" y="1295400"/>
-            <a:ext cx="10591800" cy="4648200"/>
-          </a:xfrm>
-        </p:spPr>
-        <p:txBody>
-          <a:bodyPr>
-            <a:noAutofit/>
-          </a:bodyPr>
-          <a:lstStyle/>
-          <a:p>
-            <a:pPr>
-              <a:lnSpc>
-                <a:spcPct val="150000"/>
-              </a:lnSpc>
-            </a:pPr>
-            <a:r>
-              <a:rPr lang="en-US" sz="2800" dirty="0"/>
-              <a:t>C64 Networking code: Per </a:t>
-            </a:r>
-            <a:r>
-              <a:rPr lang="en-US" sz="2800" dirty="0" err="1"/>
-              <a:t>Olofsson</a:t>
-            </a:r>
-            <a:r>
-              <a:rPr lang="en-US" sz="2800" dirty="0"/>
-              <a:t>, </a:t>
-            </a:r>
-            <a:r>
-              <a:rPr lang="en-US" sz="2800" dirty="0" err="1"/>
-              <a:t>Jonno</a:t>
-            </a:r>
-            <a:r>
-              <a:rPr lang="en-US" sz="2800" dirty="0"/>
-              <a:t> </a:t>
-            </a:r>
-            <a:r>
-              <a:rPr lang="en-US" sz="2800" dirty="0" err="1"/>
-              <a:t>Downes</a:t>
-            </a:r>
-            <a:endParaRPr lang="en-US" sz="2800" dirty="0"/>
-          </a:p>
-          <a:p>
-            <a:pPr>
-              <a:lnSpc>
-                <a:spcPct val="150000"/>
-              </a:lnSpc>
-            </a:pPr>
-            <a:r>
-              <a:rPr lang="en-US" sz="2800" dirty="0"/>
-              <a:t>Playtesting: Andreas </a:t>
-            </a:r>
-            <a:r>
-              <a:rPr lang="en-US" sz="2800" dirty="0" err="1"/>
-              <a:t>Bloomquist</a:t>
-            </a:r>
-            <a:r>
-              <a:rPr lang="en-US" sz="2800" dirty="0"/>
-              <a:t> and Mark </a:t>
-            </a:r>
-            <a:r>
-              <a:rPr lang="en-US" sz="2800" dirty="0" err="1"/>
-              <a:t>Seelye</a:t>
-            </a:r>
-            <a:endParaRPr lang="en-US" sz="2800" dirty="0"/>
-          </a:p>
-          <a:p>
-            <a:pPr>
-              <a:lnSpc>
-                <a:spcPct val="150000"/>
-              </a:lnSpc>
-            </a:pPr>
-            <a:r>
-              <a:rPr lang="en-US" sz="2800" dirty="0"/>
-              <a:t>Graphics:  “q0w/Atlantis”</a:t>
-            </a:r>
-          </a:p>
-          <a:p>
-            <a:pPr>
-              <a:lnSpc>
-                <a:spcPct val="150000"/>
-              </a:lnSpc>
-            </a:pPr>
-            <a:r>
-              <a:rPr lang="en-US" sz="2800" dirty="0"/>
-              <a:t>Advice and motivation: Robin </a:t>
-            </a:r>
-            <a:r>
-              <a:rPr lang="en-US" sz="2800" dirty="0" err="1"/>
-              <a:t>Harbron</a:t>
-            </a:r>
-            <a:endParaRPr lang="en-US" sz="2800" dirty="0"/>
-          </a:p>
-          <a:p>
-            <a:pPr>
-              <a:lnSpc>
-                <a:spcPct val="150000"/>
-              </a:lnSpc>
-            </a:pPr>
-            <a:r>
-              <a:rPr lang="en-CA" sz="2800" dirty="0">
-                <a:solidFill>
-                  <a:srgbClr val="00B0F0"/>
-                </a:solidFill>
-              </a:rPr>
-              <a:t>/r/</a:t>
-            </a:r>
-            <a:r>
-              <a:rPr lang="en-CA" sz="2800" dirty="0" err="1">
-                <a:solidFill>
-                  <a:srgbClr val="00B0F0"/>
-                </a:solidFill>
-              </a:rPr>
-              <a:t>roguelikedev</a:t>
-            </a:r>
-            <a:r>
-              <a:rPr lang="en-CA" sz="2800" dirty="0">
-                <a:solidFill>
-                  <a:srgbClr val="00B0F0"/>
-                </a:solidFill>
-              </a:rPr>
-              <a:t> </a:t>
-            </a:r>
-            <a:r>
-              <a:rPr lang="en-CA" sz="2800" dirty="0"/>
-              <a:t>community on </a:t>
-            </a:r>
-            <a:r>
-              <a:rPr lang="en-CA" sz="2800" dirty="0" err="1"/>
-              <a:t>Reddit</a:t>
-            </a:r>
-            <a:endParaRPr lang="en-CA" sz="2800" dirty="0"/>
-          </a:p>
-          <a:p>
-            <a:pPr>
-              <a:lnSpc>
-                <a:spcPct val="150000"/>
-              </a:lnSpc>
-            </a:pPr>
-            <a:r>
-              <a:rPr lang="en-US" sz="2800" dirty="0"/>
-              <a:t>The organizers of Roguelike Celebration!</a:t>
-            </a:r>
-            <a:endParaRPr lang="en-CA" sz="2800" dirty="0"/>
-          </a:p>
-          <a:p>
-            <a:pPr marL="0" indent="0">
-              <a:lnSpc>
-                <a:spcPct val="150000"/>
-              </a:lnSpc>
-              <a:buNone/>
-            </a:pPr>
-            <a:endParaRPr lang="en-US" sz="2800" dirty="0"/>
-          </a:p>
-          <a:p>
-            <a:pPr>
-              <a:lnSpc>
-                <a:spcPct val="150000"/>
-              </a:lnSpc>
-            </a:pPr>
-            <a:endParaRPr sz="2800" dirty="0"/>
-          </a:p>
-        </p:txBody>
-      </p:sp>
-      <p:pic>
-        <p:nvPicPr>
-          <p:cNvPr id="9" name="Picture 2"/>
-          <p:cNvPicPr>
-            <a:picLocks noChangeAspect="1" noChangeArrowheads="1"/>
-          </p:cNvPicPr>
-          <p:nvPr/>
-        </p:nvPicPr>
-        <p:blipFill>
-          <a:blip r:embed="rId2">
-            <a:extLst>
-              <a:ext uri="{28A0092B-C50C-407E-A947-70E740481C1C}">
-                <a14:useLocalDpi xmlns:a14="http://schemas.microsoft.com/office/drawing/2010/main" val="0"/>
-              </a:ext>
-            </a:extLst>
-          </a:blip>
-          <a:srcRect/>
-          <a:stretch>
-            <a:fillRect/>
-          </a:stretch>
-        </p:blipFill>
-        <p:spPr bwMode="auto">
-          <a:xfrm>
-            <a:off x="10439400" y="381000"/>
-            <a:ext cx="1219200" cy="829056"/>
-          </a:xfrm>
-          <a:prstGeom prst="rect">
-            <a:avLst/>
-          </a:prstGeom>
-          <a:noFill/>
-          <a:ln>
-            <a:noFill/>
-          </a:ln>
-          <a:extLst>
-            <a:ext uri="{909E8E84-426E-40DD-AFC4-6F175D3DCCD1}">
-              <a14:hiddenFill xmlns:a14="http://schemas.microsoft.com/office/drawing/2010/main">
-                <a:solidFill>
-                  <a:schemeClr val="accent1"/>
-                </a:solidFill>
-              </a14:hiddenFill>
-            </a:ext>
-            <a:ext uri="{91240B29-F687-4F45-9708-019B960494DF}">
-              <a14:hiddenLine xmlns:a14="http://schemas.microsoft.com/office/drawing/2010/main" w="9525">
-                <a:solidFill>
-                  <a:schemeClr val="tx1"/>
-                </a:solidFill>
-                <a:miter lim="800000"/>
-                <a:headEnd/>
-                <a:tailEnd/>
-              </a14:hiddenLine>
-            </a:ext>
-          </a:extLst>
-        </p:spPr>
-      </p:pic>
-      <p:pic>
-        <p:nvPicPr>
-          <p:cNvPr id="10" name="Picture 3"/>
-          <p:cNvPicPr>
-            <a:picLocks noChangeAspect="1" noChangeArrowheads="1"/>
-          </p:cNvPicPr>
-          <p:nvPr/>
-        </p:nvPicPr>
-        <p:blipFill>
-          <a:blip r:embed="rId3">
-            <a:extLst>
-              <a:ext uri="{28A0092B-C50C-407E-A947-70E740481C1C}">
-                <a14:useLocalDpi xmlns:a14="http://schemas.microsoft.com/office/drawing/2010/main" val="0"/>
-              </a:ext>
-            </a:extLst>
-          </a:blip>
-          <a:srcRect/>
-          <a:stretch>
-            <a:fillRect/>
-          </a:stretch>
-        </p:blipFill>
-        <p:spPr bwMode="auto">
-          <a:xfrm>
-            <a:off x="8077200" y="5912738"/>
-            <a:ext cx="495300" cy="421006"/>
-          </a:xfrm>
-          <a:prstGeom prst="rect">
-            <a:avLst/>
-          </a:prstGeom>
-          <a:noFill/>
-          <a:ln>
-            <a:noFill/>
-          </a:ln>
-          <a:extLst>
-            <a:ext uri="{909E8E84-426E-40DD-AFC4-6F175D3DCCD1}">
-              <a14:hiddenFill xmlns:a14="http://schemas.microsoft.com/office/drawing/2010/main">
-                <a:solidFill>
-                  <a:schemeClr val="accent1"/>
-                </a:solidFill>
-              </a14:hiddenFill>
-            </a:ext>
-            <a:ext uri="{91240B29-F687-4F45-9708-019B960494DF}">
-              <a14:hiddenLine xmlns:a14="http://schemas.microsoft.com/office/drawing/2010/main" w="9525">
-                <a:solidFill>
-                  <a:schemeClr val="tx1"/>
-                </a:solidFill>
-                <a:miter lim="800000"/>
-                <a:headEnd/>
-                <a:tailEnd/>
-              </a14:hiddenLine>
-            </a:ext>
-          </a:extLst>
-        </p:spPr>
-      </p:pic>
-      <p:pic>
-        <p:nvPicPr>
-          <p:cNvPr id="13314" name="Picture 2"/>
-          <p:cNvPicPr>
-            <a:picLocks noChangeAspect="1" noChangeArrowheads="1"/>
-          </p:cNvPicPr>
-          <p:nvPr/>
-        </p:nvPicPr>
-        <p:blipFill>
-          <a:blip r:embed="rId4">
-            <a:extLst>
-              <a:ext uri="{28A0092B-C50C-407E-A947-70E740481C1C}">
-                <a14:useLocalDpi xmlns:a14="http://schemas.microsoft.com/office/drawing/2010/main" val="0"/>
-              </a:ext>
-            </a:extLst>
-          </a:blip>
-          <a:srcRect/>
-          <a:stretch>
-            <a:fillRect/>
-          </a:stretch>
-        </p:blipFill>
-        <p:spPr bwMode="auto">
-          <a:xfrm>
-            <a:off x="1524000" y="6039172"/>
-            <a:ext cx="374228" cy="421007"/>
-          </a:xfrm>
-          <a:prstGeom prst="rect">
-            <a:avLst/>
-          </a:prstGeom>
-          <a:noFill/>
-          <a:ln>
-            <a:noFill/>
-          </a:ln>
-          <a:extLst>
-            <a:ext uri="{909E8E84-426E-40DD-AFC4-6F175D3DCCD1}">
-              <a14:hiddenFill xmlns:a14="http://schemas.microsoft.com/office/drawing/2010/main">
-                <a:solidFill>
-                  <a:schemeClr val="accent1"/>
-                </a:solidFill>
-              </a14:hiddenFill>
-            </a:ext>
-            <a:ext uri="{91240B29-F687-4F45-9708-019B960494DF}">
-              <a14:hiddenLine xmlns:a14="http://schemas.microsoft.com/office/drawing/2010/main" w="9525">
-                <a:solidFill>
-                  <a:schemeClr val="tx1"/>
-                </a:solidFill>
-                <a:miter lim="800000"/>
-                <a:headEnd/>
-                <a:tailEnd/>
-              </a14:hiddenLine>
-            </a:ext>
-          </a:extLst>
-        </p:spPr>
-      </p:pic>
-      <p:pic>
-        <p:nvPicPr>
-          <p:cNvPr id="12" name="Picture 2"/>
-          <p:cNvPicPr>
-            <a:picLocks noChangeAspect="1" noChangeArrowheads="1"/>
-          </p:cNvPicPr>
-          <p:nvPr/>
-        </p:nvPicPr>
-        <p:blipFill>
-          <a:blip r:embed="rId4">
-            <a:extLst>
-              <a:ext uri="{28A0092B-C50C-407E-A947-70E740481C1C}">
-                <a14:useLocalDpi xmlns:a14="http://schemas.microsoft.com/office/drawing/2010/main" val="0"/>
-              </a:ext>
-            </a:extLst>
-          </a:blip>
-          <a:srcRect/>
-          <a:stretch>
-            <a:fillRect/>
-          </a:stretch>
-        </p:blipFill>
-        <p:spPr bwMode="auto">
-          <a:xfrm>
-            <a:off x="9525000" y="4181474"/>
-            <a:ext cx="550333" cy="619125"/>
-          </a:xfrm>
-          <a:prstGeom prst="rect">
-            <a:avLst/>
-          </a:prstGeom>
-          <a:noFill/>
-          <a:ln>
-            <a:noFill/>
-          </a:ln>
-          <a:extLst>
-            <a:ext uri="{909E8E84-426E-40DD-AFC4-6F175D3DCCD1}">
-              <a14:hiddenFill xmlns:a14="http://schemas.microsoft.com/office/drawing/2010/main">
-                <a:solidFill>
-                  <a:schemeClr val="accent1"/>
-                </a:solidFill>
-              </a14:hiddenFill>
-            </a:ext>
-            <a:ext uri="{91240B29-F687-4F45-9708-019B960494DF}">
-              <a14:hiddenLine xmlns:a14="http://schemas.microsoft.com/office/drawing/2010/main" w="9525">
-                <a:solidFill>
-                  <a:schemeClr val="tx1"/>
-                </a:solidFill>
-                <a:miter lim="800000"/>
-                <a:headEnd/>
-                <a:tailEnd/>
-              </a14:hiddenLine>
-            </a:ext>
-          </a:extLst>
-        </p:spPr>
-      </p:pic>
-    </p:spTree>
-    <p:extLst>
-      <p:ext uri="{BB962C8B-B14F-4D97-AF65-F5344CB8AC3E}">
-        <p14:creationId xmlns:p14="http://schemas.microsoft.com/office/powerpoint/2010/main" val="3409607792"/>
-      </p:ext>
-    </p:extLst>
-  </p:cSld>
-  <p:clrMapOvr>
-    <a:masterClrMapping/>
-  </p:clrMapOvr>
-  <p:timing>
-    <p:tnLst>
-      <p:par>
-        <p:cTn id="1" dur="indefinite" restart="never" nodeType="tmRoot">
-          <p:childTnLst>
-            <p:seq concurrent="1" nextAc="seek">
-              <p:cTn id="2" dur="indefinite" nodeType="mainSeq">
-                <p:childTnLst>
-                  <p:par>
-                    <p:cTn id="3" fill="hold">
-                      <p:stCondLst>
-                        <p:cond delay="indefinite"/>
-                      </p:stCondLst>
-                      <p:childTnLst>
-                        <p:par>
-                          <p:cTn id="4" fill="hold">
-                            <p:stCondLst>
-                              <p:cond delay="0"/>
-                            </p:stCondLst>
-                            <p:childTnLst>
-                              <p:par>
-                                <p:cTn id="5" presetID="10" presetClass="entr" presetSubtype="0" fill="hold" nodeType="clickEffect">
-                                  <p:stCondLst>
-                                    <p:cond delay="0"/>
-                                  </p:stCondLst>
-                                  <p:childTnLst>
-                                    <p:set>
-                                      <p:cBhvr>
-                                        <p:cTn id="6" dur="1" fill="hold">
-                                          <p:stCondLst>
-                                            <p:cond delay="0"/>
-                                          </p:stCondLst>
-                                        </p:cTn>
-                                        <p:tgtEl>
-                                          <p:spTgt spid="3">
-                                            <p:txEl>
-                                              <p:pRg st="0" end="0"/>
-                                            </p:txEl>
-                                          </p:spTgt>
-                                        </p:tgtEl>
-                                        <p:attrNameLst>
-                                          <p:attrName>style.visibility</p:attrName>
-                                        </p:attrNameLst>
-                                      </p:cBhvr>
-                                      <p:to>
-                                        <p:strVal val="visible"/>
-                                      </p:to>
-                                    </p:set>
-                                    <p:animEffect transition="in" filter="fade">
-                                      <p:cBhvr>
-                                        <p:cTn id="7" dur="500"/>
-                                        <p:tgtEl>
-                                          <p:spTgt spid="3">
-                                            <p:txEl>
-                                              <p:pRg st="0" end="0"/>
-                                            </p:txEl>
-                                          </p:spTgt>
-                                        </p:tgtEl>
-                                      </p:cBhvr>
-                                    </p:animEffect>
-                                  </p:childTnLst>
-                                </p:cTn>
-                              </p:par>
-                              <p:par>
-                                <p:cTn id="8" presetID="10" presetClass="entr" presetSubtype="0" fill="hold" nodeType="withEffect">
-                                  <p:stCondLst>
-                                    <p:cond delay="0"/>
-                                  </p:stCondLst>
-                                  <p:childTnLst>
-                                    <p:set>
-                                      <p:cBhvr>
-                                        <p:cTn id="9" dur="1" fill="hold">
-                                          <p:stCondLst>
-                                            <p:cond delay="0"/>
-                                          </p:stCondLst>
-                                        </p:cTn>
-                                        <p:tgtEl>
-                                          <p:spTgt spid="3">
-                                            <p:txEl>
-                                              <p:pRg st="1" end="1"/>
-                                            </p:txEl>
-                                          </p:spTgt>
-                                        </p:tgtEl>
-                                        <p:attrNameLst>
-                                          <p:attrName>style.visibility</p:attrName>
-                                        </p:attrNameLst>
-                                      </p:cBhvr>
-                                      <p:to>
-                                        <p:strVal val="visible"/>
-                                      </p:to>
-                                    </p:set>
-                                    <p:animEffect transition="in" filter="fade">
-                                      <p:cBhvr>
-                                        <p:cTn id="10" dur="500"/>
-                                        <p:tgtEl>
-                                          <p:spTgt spid="3">
-                                            <p:txEl>
-                                              <p:pRg st="1" end="1"/>
-                                            </p:txEl>
-                                          </p:spTgt>
-                                        </p:tgtEl>
-                                      </p:cBhvr>
-                                    </p:animEffect>
-                                  </p:childTnLst>
-                                </p:cTn>
-                              </p:par>
-                              <p:par>
-                                <p:cTn id="11" presetID="10" presetClass="entr" presetSubtype="0" fill="hold" nodeType="withEffect">
-                                  <p:stCondLst>
-                                    <p:cond delay="0"/>
-                                  </p:stCondLst>
-                                  <p:childTnLst>
-                                    <p:set>
-                                      <p:cBhvr>
-                                        <p:cTn id="12" dur="1" fill="hold">
-                                          <p:stCondLst>
-                                            <p:cond delay="0"/>
-                                          </p:stCondLst>
-                                        </p:cTn>
-                                        <p:tgtEl>
-                                          <p:spTgt spid="3">
-                                            <p:txEl>
-                                              <p:pRg st="2" end="2"/>
-                                            </p:txEl>
-                                          </p:spTgt>
-                                        </p:tgtEl>
-                                        <p:attrNameLst>
-                                          <p:attrName>style.visibility</p:attrName>
-                                        </p:attrNameLst>
-                                      </p:cBhvr>
-                                      <p:to>
-                                        <p:strVal val="visible"/>
-                                      </p:to>
-                                    </p:set>
-                                    <p:animEffect transition="in" filter="fade">
-                                      <p:cBhvr>
-                                        <p:cTn id="13" dur="500"/>
-                                        <p:tgtEl>
-                                          <p:spTgt spid="3">
-                                            <p:txEl>
-                                              <p:pRg st="2" end="2"/>
-                                            </p:txEl>
-                                          </p:spTgt>
-                                        </p:tgtEl>
-                                      </p:cBhvr>
-                                    </p:animEffect>
-                                  </p:childTnLst>
-                                </p:cTn>
-                              </p:par>
-                              <p:par>
-                                <p:cTn id="14" presetID="10" presetClass="entr" presetSubtype="0" fill="hold" nodeType="withEffect">
-                                  <p:stCondLst>
-                                    <p:cond delay="0"/>
-                                  </p:stCondLst>
-                                  <p:childTnLst>
-                                    <p:set>
-                                      <p:cBhvr>
-                                        <p:cTn id="15" dur="1" fill="hold">
-                                          <p:stCondLst>
-                                            <p:cond delay="0"/>
-                                          </p:stCondLst>
-                                        </p:cTn>
-                                        <p:tgtEl>
-                                          <p:spTgt spid="3">
-                                            <p:txEl>
-                                              <p:pRg st="3" end="3"/>
-                                            </p:txEl>
-                                          </p:spTgt>
-                                        </p:tgtEl>
-                                        <p:attrNameLst>
-                                          <p:attrName>style.visibility</p:attrName>
-                                        </p:attrNameLst>
-                                      </p:cBhvr>
-                                      <p:to>
-                                        <p:strVal val="visible"/>
-                                      </p:to>
-                                    </p:set>
-                                    <p:animEffect transition="in" filter="fade">
-                                      <p:cBhvr>
-                                        <p:cTn id="16" dur="500"/>
-                                        <p:tgtEl>
-                                          <p:spTgt spid="3">
-                                            <p:txEl>
-                                              <p:pRg st="3" end="3"/>
-                                            </p:txEl>
-                                          </p:spTgt>
-                                        </p:tgtEl>
-                                      </p:cBhvr>
-                                    </p:animEffect>
-                                  </p:childTnLst>
-                                </p:cTn>
-                              </p:par>
-                              <p:par>
-                                <p:cTn id="17" presetID="10" presetClass="entr" presetSubtype="0" fill="hold" nodeType="withEffect">
-                                  <p:stCondLst>
-                                    <p:cond delay="0"/>
-                                  </p:stCondLst>
-                                  <p:childTnLst>
-                                    <p:set>
-                                      <p:cBhvr>
-                                        <p:cTn id="18" dur="1" fill="hold">
-                                          <p:stCondLst>
-                                            <p:cond delay="0"/>
-                                          </p:stCondLst>
-                                        </p:cTn>
-                                        <p:tgtEl>
-                                          <p:spTgt spid="3">
-                                            <p:txEl>
-                                              <p:pRg st="4" end="4"/>
-                                            </p:txEl>
-                                          </p:spTgt>
-                                        </p:tgtEl>
-                                        <p:attrNameLst>
-                                          <p:attrName>style.visibility</p:attrName>
-                                        </p:attrNameLst>
-                                      </p:cBhvr>
-                                      <p:to>
-                                        <p:strVal val="visible"/>
-                                      </p:to>
-                                    </p:set>
-                                    <p:animEffect transition="in" filter="fade">
-                                      <p:cBhvr>
-                                        <p:cTn id="19" dur="500"/>
-                                        <p:tgtEl>
-                                          <p:spTgt spid="3">
-                                            <p:txEl>
-                                              <p:pRg st="4" end="4"/>
-                                            </p:txEl>
-                                          </p:spTgt>
-                                        </p:tgtEl>
-                                      </p:cBhvr>
-                                    </p:animEffect>
-                                  </p:childTnLst>
-                                </p:cTn>
-                              </p:par>
-                              <p:par>
-                                <p:cTn id="20" presetID="10" presetClass="entr" presetSubtype="0" fill="hold" nodeType="withEffect">
-                                  <p:stCondLst>
-                                    <p:cond delay="0"/>
-                                  </p:stCondLst>
-                                  <p:childTnLst>
-                                    <p:set>
-                                      <p:cBhvr>
-                                        <p:cTn id="21" dur="1" fill="hold">
-                                          <p:stCondLst>
-                                            <p:cond delay="0"/>
-                                          </p:stCondLst>
-                                        </p:cTn>
-                                        <p:tgtEl>
-                                          <p:spTgt spid="3">
-                                            <p:txEl>
-                                              <p:pRg st="5" end="5"/>
-                                            </p:txEl>
-                                          </p:spTgt>
-                                        </p:tgtEl>
-                                        <p:attrNameLst>
-                                          <p:attrName>style.visibility</p:attrName>
-                                        </p:attrNameLst>
-                                      </p:cBhvr>
-                                      <p:to>
-                                        <p:strVal val="visible"/>
-                                      </p:to>
-                                    </p:set>
-                                    <p:animEffect transition="in" filter="fade">
-                                      <p:cBhvr>
-                                        <p:cTn id="22" dur="500"/>
-                                        <p:tgtEl>
-                                          <p:spTgt spid="3">
-                                            <p:txEl>
-                                              <p:pRg st="5" end="5"/>
-                                            </p:txEl>
-                                          </p:spTgt>
-                                        </p:tgtEl>
-                                      </p:cBhvr>
-                                    </p:animEffect>
-                                  </p:childTnLst>
-                                </p:cTn>
-                              </p:par>
-                            </p:childTnLst>
-                          </p:cTn>
-                        </p:par>
-                      </p:childTnLst>
-                    </p:cTn>
-                  </p:par>
-                </p:childTnLst>
-              </p:cTn>
-              <p:prevCondLst>
-                <p:cond evt="onPrev" delay="0">
-                  <p:tgtEl>
-                    <p:sldTgt/>
-                  </p:tgtEl>
-                </p:cond>
-              </p:prevCondLst>
-              <p:nextCondLst>
-                <p:cond evt="onNext" delay="0">
-                  <p:tgtEl>
-                    <p:sldTgt/>
-                  </p:tgtEl>
-                </p:cond>
-              </p:nextCondLst>
-            </p:seq>
-          </p:childTnLst>
-        </p:cTn>
-      </p:par>
-    </p:tnLst>
-  </p:timing>
-</p:sld>
-</file>
-
-<file path=ppt/slides/slide11.xml><?xml version="1.0" encoding="utf-8"?>
-<p:sld xmlns:a="http://schemas.openxmlformats.org/drawingml/2006/main" xmlns:r="http://schemas.openxmlformats.org/officeDocument/2006/relationships" xmlns:p="http://schemas.openxmlformats.org/presentationml/2006/main">
-  <p:cSld>
-    <p:spTree>
-      <p:nvGrpSpPr>
-        <p:cNvPr id="1" name=""/>
-        <p:cNvGrpSpPr/>
-        <p:nvPr/>
-      </p:nvGrpSpPr>
-      <p:grpSpPr>
-        <a:xfrm>
-          <a:off x="0" y="0"/>
-          <a:ext cx="0" cy="0"/>
-          <a:chOff x="0" y="0"/>
-          <a:chExt cx="0" cy="0"/>
-        </a:xfrm>
-      </p:grpSpPr>
-      <p:sp>
-        <p:nvSpPr>
-          <p:cNvPr id="2" name="Title 1"/>
-          <p:cNvSpPr>
-            <a:spLocks noGrp="1"/>
-          </p:cNvSpPr>
-          <p:nvPr>
-            <p:ph type="title"/>
-          </p:nvPr>
-        </p:nvSpPr>
-        <p:spPr/>
-        <p:txBody>
-          <a:bodyPr/>
-          <a:lstStyle/>
-          <a:p>
-            <a:r>
-              <a:rPr lang="en-US" dirty="0"/>
-              <a:t>Enough Talking, Let’s Play!</a:t>
-            </a:r>
-            <a:endParaRPr dirty="0"/>
-          </a:p>
-        </p:txBody>
-      </p:sp>
-      <p:sp>
-        <p:nvSpPr>
-          <p:cNvPr id="3" name="Content Placeholder 13"/>
-          <p:cNvSpPr>
-            <a:spLocks noGrp="1"/>
-          </p:cNvSpPr>
-          <p:nvPr>
-            <p:ph sz="half" idx="1"/>
-          </p:nvPr>
-        </p:nvSpPr>
-        <p:spPr>
-          <a:xfrm>
-            <a:off x="304800" y="1447800"/>
+            <a:off x="647700" y="1676400"/>
             <a:ext cx="11506200" cy="4648200"/>
           </a:xfrm>
         </p:spPr>
@@ -3634,45 +2774,6 @@
               </a:rPr>
               <a:t>3006</a:t>
             </a:r>
-          </a:p>
-          <a:p>
-            <a:endParaRPr lang="en-US" sz="3200" dirty="0">
-              <a:solidFill>
-                <a:srgbClr val="3399FF"/>
-              </a:solidFill>
-            </a:endParaRPr>
-          </a:p>
-          <a:p>
-            <a:r>
-              <a:rPr lang="en-US" dirty="0"/>
-              <a:t>C64: Client bootloader as </a:t>
-            </a:r>
-            <a:r>
-              <a:rPr lang="en-US" dirty="0">
-                <a:solidFill>
-                  <a:schemeClr val="accent2">
-                    <a:lumMod val="60000"/>
-                    <a:lumOff val="40000"/>
-                  </a:schemeClr>
-                </a:solidFill>
-              </a:rPr>
-              <a:t>PRG file </a:t>
-            </a:r>
-            <a:r>
-              <a:rPr lang="en-US" dirty="0"/>
-              <a:t>(download from Web site)</a:t>
-            </a:r>
-            <a:endParaRPr lang="en-US" dirty="0">
-              <a:solidFill>
-                <a:schemeClr val="accent2">
-                  <a:lumMod val="60000"/>
-                  <a:lumOff val="40000"/>
-                </a:schemeClr>
-              </a:solidFill>
-            </a:endParaRPr>
-          </a:p>
-          <a:p>
-            <a:endParaRPr lang="en-US" sz="3200" dirty="0"/>
           </a:p>
           <a:p>
             <a:endParaRPr lang="en-US" sz="3200" dirty="0"/>
@@ -3768,7 +2869,7 @@
         </p:blipFill>
         <p:spPr>
           <a:xfrm>
-            <a:off x="8991600" y="1255619"/>
+            <a:off x="9296400" y="1427909"/>
             <a:ext cx="1082658" cy="1023938"/>
           </a:xfrm>
           <a:prstGeom prst="rect">
@@ -3927,15 +3028,33 @@
                                   </p:childTnLst>
                                 </p:cTn>
                               </p:par>
+                            </p:childTnLst>
+                          </p:cTn>
+                        </p:par>
+                      </p:childTnLst>
+                    </p:cTn>
+                  </p:par>
+                  <p:par>
+                    <p:cTn id="14" fill="hold">
+                      <p:stCondLst>
+                        <p:cond delay="indefinite"/>
+                      </p:stCondLst>
+                      <p:childTnLst>
+                        <p:par>
+                          <p:cTn id="15" fill="hold">
+                            <p:stCondLst>
+                              <p:cond delay="0"/>
+                            </p:stCondLst>
+                            <p:childTnLst>
                               <p:par>
-                                <p:cTn id="14" presetID="10" presetClass="entr" presetSubtype="0" fill="hold" grpId="0" nodeType="withEffect">
+                                <p:cTn id="16" presetID="10" presetClass="entr" presetSubtype="0" fill="hold" grpId="0" nodeType="clickEffect">
                                   <p:stCondLst>
                                     <p:cond delay="0"/>
                                   </p:stCondLst>
                                   <p:childTnLst>
                                     <p:set>
                                       <p:cBhvr>
-                                        <p:cTn id="15" dur="1" fill="hold">
+                                        <p:cTn id="17" dur="1" fill="hold">
                                           <p:stCondLst>
                                             <p:cond delay="0"/>
                                           </p:stCondLst>
@@ -3957,72 +3076,11 @@
                                     </p:set>
                                     <p:animEffect transition="in" filter="fade">
                                       <p:cBhvr>
-                                        <p:cTn id="16" dur="500"/>
+                                        <p:cTn id="18" dur="500"/>
                                         <p:tgtEl>
                                           <p:spTgt spid="3">
                                             <p:txEl>
                                               <p:pRg st="4" end="4"/>
-                                            </p:txEl>
-                                          </p:spTgt>
-                                        </p:tgtEl>
-                                      </p:cBhvr>
-                                    </p:animEffect>
-                                  </p:childTnLst>
-                                </p:cTn>
-                              </p:par>
-                            </p:childTnLst>
-                          </p:cTn>
-                        </p:par>
-                      </p:childTnLst>
-                    </p:cTn>
-                  </p:par>
-                  <p:par>
-                    <p:cTn id="17" fill="hold">
-                      <p:stCondLst>
-                        <p:cond delay="indefinite"/>
-                      </p:stCondLst>
-                      <p:childTnLst>
-                        <p:par>
-                          <p:cTn id="18" fill="hold">
-                            <p:stCondLst>
-                              <p:cond delay="0"/>
-                            </p:stCondLst>
-                            <p:childTnLst>
-                              <p:par>
-                                <p:cTn id="19" presetID="10" presetClass="entr" presetSubtype="0" fill="hold" grpId="0" nodeType="clickEffect">
-                                  <p:stCondLst>
-                                    <p:cond delay="0"/>
-                                  </p:stCondLst>
-                                  <p:childTnLst>
-                                    <p:set>
-                                      <p:cBhvr>
-                                        <p:cTn id="20" dur="1" fill="hold">
-                                          <p:stCondLst>
-                                            <p:cond delay="0"/>
-                                          </p:stCondLst>
-                                        </p:cTn>
-                                        <p:tgtEl>
-                                          <p:spTgt spid="3">
-                                            <p:txEl>
-                                              <p:pRg st="7" end="7"/>
-                                            </p:txEl>
-                                          </p:spTgt>
-                                        </p:tgtEl>
-                                        <p:attrNameLst>
-                                          <p:attrName>style.visibility</p:attrName>
-                                        </p:attrNameLst>
-                                      </p:cBhvr>
-                                      <p:to>
-                                        <p:strVal val="visible"/>
-                                      </p:to>
-                                    </p:set>
-                                    <p:animEffect transition="in" filter="fade">
-                                      <p:cBhvr>
-                                        <p:cTn id="21" dur="500"/>
-                                        <p:tgtEl>
-                                          <p:spTgt spid="3">
-                                            <p:txEl>
-                                              <p:pRg st="7" end="7"/>
                                             </p:txEl>
                                           </p:spTgt>
                                         </p:tgtEl>
@@ -4123,45 +3181,6 @@
           </a:extLst>
         </p:spPr>
       </p:pic>
-      <p:pic>
-        <p:nvPicPr>
-          <p:cNvPr id="7170" name="Picture 2" descr="http://www.vintagevibe.co.nz/wp-content/uploads/2019/04/C64-logo1-300x300.jpg"/>
-          <p:cNvPicPr>
-            <a:picLocks noChangeAspect="1" noChangeArrowheads="1"/>
-          </p:cNvPicPr>
-          <p:nvPr/>
-        </p:nvPicPr>
-        <p:blipFill rotWithShape="1">
-          <a:blip r:embed="rId3">
-            <a:extLst>
-              <a:ext uri="{28A0092B-C50C-407E-A947-70E740481C1C}">
-                <a14:useLocalDpi xmlns:a14="http://schemas.microsoft.com/office/drawing/2010/main" val="0"/>
-              </a:ext>
-            </a:extLst>
-          </a:blip>
-          <a:srcRect t="26026" b="21061"/>
-          <a:stretch/>
-        </p:blipFill>
-        <p:spPr bwMode="auto">
-          <a:xfrm>
-            <a:off x="8382000" y="228600"/>
-            <a:ext cx="3451679" cy="1826400"/>
-          </a:xfrm>
-          <a:prstGeom prst="rect">
-            <a:avLst/>
-          </a:prstGeom>
-          <a:noFill/>
-          <a:extLst>
-            <a:ext uri="{909E8E84-426E-40DD-AFC4-6F175D3DCCD1}">
-              <a14:hiddenFill xmlns:a14="http://schemas.microsoft.com/office/drawing/2010/main">
-                <a:solidFill>
-                  <a:srgbClr val="FFFFFF"/>
-                </a:solidFill>
-              </a14:hiddenFill>
-            </a:ext>
-          </a:extLst>
-        </p:spPr>
-      </p:pic>
       <p:sp>
         <p:nvSpPr>
           <p:cNvPr id="13" name="Title 12"/>
@@ -4214,17 +3233,6 @@
             </a:pPr>
             <a:r>
               <a:rPr lang="en-US" sz="2400" dirty="0"/>
-              <a:t>I adore my Commodore 64!</a:t>
-            </a:r>
-          </a:p>
-          <a:p>
-            <a:pPr>
-              <a:lnSpc>
-                <a:spcPct val="150000"/>
-              </a:lnSpc>
-            </a:pPr>
-            <a:r>
-              <a:rPr lang="en-US" sz="2400" dirty="0"/>
               <a:t>Best-selling computer of all time!   </a:t>
             </a:r>
             <a:r>
@@ -4232,17 +3240,6 @@
               <a:t>(Guinness Book of World Records: ~17 Million sold)</a:t>
             </a:r>
             <a:endParaRPr lang="en-US" sz="2400" dirty="0"/>
-          </a:p>
-          <a:p>
-            <a:pPr>
-              <a:lnSpc>
-                <a:spcPct val="150000"/>
-              </a:lnSpc>
-            </a:pPr>
-            <a:r>
-              <a:rPr lang="en-US" sz="2400" dirty="0"/>
-              <a:t>Released in 1982:  64KB RAM, 1 MHz CPU, 16 Colors, 3-Voice Sound </a:t>
-            </a:r>
           </a:p>
           <a:p>
             <a:pPr>
@@ -4278,7 +3275,7 @@
                   <a:schemeClr val="tx1"/>
                 </a:solidFill>
               </a:rPr>
-              <a:t>Very active community in 2019: </a:t>
+              <a:t>Very active community in 2020: </a:t>
             </a:r>
             <a:r>
               <a:rPr lang="en-US" sz="2400" dirty="0"/>
@@ -4286,11 +3283,19 @@
             </a:r>
           </a:p>
           <a:p>
-            <a:pPr lvl="1">
+            <a:pPr>
               <a:lnSpc>
                 <a:spcPct val="150000"/>
               </a:lnSpc>
             </a:pPr>
+            <a:r>
+              <a:rPr lang="en-US" sz="2400" dirty="0"/>
+              <a:t>New networking hardware opens so many doors for </a:t>
+            </a:r>
+            <a:r>
+              <a:rPr lang="en-US" sz="2400" dirty="0" err="1"/>
+              <a:t>multiplay</a:t>
+            </a:r>
             <a:endParaRPr lang="en-US" sz="2400" dirty="0"/>
           </a:p>
         </p:txBody>
@@ -4352,6 +3357,51 @@
           </a:p>
         </p:txBody>
       </p:sp>
+      <p:pic>
+        <p:nvPicPr>
+          <p:cNvPr id="2" name="Picture 2" descr="http://www.vintagevibe.co.nz/wp-content/uploads/2019/04/C64-logo1-300x300.jpg">
+            <a:extLst>
+              <a:ext uri="{FF2B5EF4-FFF2-40B4-BE49-F238E27FC236}">
+                <a16:creationId xmlns:a16="http://schemas.microsoft.com/office/drawing/2014/main" id="{968E857C-EF01-456E-8CF7-CEF2583A5737}"/>
+              </a:ext>
+            </a:extLst>
+          </p:cNvPr>
+          <p:cNvPicPr>
+            <a:picLocks noChangeAspect="1" noChangeArrowheads="1"/>
+          </p:cNvPicPr>
+          <p:nvPr/>
+        </p:nvPicPr>
+        <p:blipFill rotWithShape="1">
+          <a:blip r:embed="rId3">
+            <a:extLst>
+              <a:ext uri="{28A0092B-C50C-407E-A947-70E740481C1C}">
+                <a14:useLocalDpi xmlns:a14="http://schemas.microsoft.com/office/drawing/2010/main" val="0"/>
+              </a:ext>
+            </a:extLst>
+          </a:blip>
+          <a:srcRect t="26026" b="21061"/>
+          <a:stretch/>
+        </p:blipFill>
+        <p:spPr bwMode="auto">
+          <a:xfrm>
+            <a:off x="9448800" y="135296"/>
+            <a:ext cx="1904441" cy="1007704"/>
+          </a:xfrm>
+          <a:prstGeom prst="rect">
+            <a:avLst/>
+          </a:prstGeom>
+          <a:noFill/>
+          <a:extLst>
+            <a:ext uri="{909E8E84-426E-40DD-AFC4-6F175D3DCCD1}">
+              <a14:hiddenFill xmlns:a14="http://schemas.microsoft.com/office/drawing/2010/main">
+                <a:solidFill>
+                  <a:srgbClr val="FFFFFF"/>
+                </a:solidFill>
+              </a14:hiddenFill>
+            </a:ext>
+          </a:extLst>
+        </p:spPr>
+      </p:pic>
     </p:spTree>
     <p:extLst>
       <p:ext uri="{BB962C8B-B14F-4D97-AF65-F5344CB8AC3E}">
@@ -4675,67 +3725,6 @@
                       </p:childTnLst>
                     </p:cTn>
                   </p:par>
-                  <p:par>
-                    <p:cTn id="28" fill="hold">
-                      <p:stCondLst>
-                        <p:cond delay="indefinite"/>
-                      </p:stCondLst>
-                      <p:childTnLst>
-                        <p:par>
-                          <p:cTn id="29" fill="hold">
-                            <p:stCondLst>
-                              <p:cond delay="0"/>
-                            </p:stCondLst>
-                            <p:childTnLst>
-                              <p:par>
-                                <p:cTn id="30" presetID="10" presetClass="entr" presetSubtype="0" fill="hold" grpId="0" nodeType="clickEffect">
-                                  <p:stCondLst>
-                                    <p:cond delay="0"/>
-                                  </p:stCondLst>
-                                  <p:childTnLst>
-                                    <p:set>
-                                      <p:cBhvr>
-                                        <p:cTn id="31" dur="1" fill="hold">
-                                          <p:stCondLst>
-                                            <p:cond delay="0"/>
-                                          </p:stCondLst>
-                                        </p:cTn>
-                                        <p:tgtEl>
-                                          <p:spTgt spid="14">
-                                            <p:txEl>
-                                              <p:pRg st="5" end="5"/>
-                                            </p:txEl>
-                                          </p:spTgt>
-                                        </p:tgtEl>
-                                        <p:attrNameLst>
-                                          <p:attrName>style.visibility</p:attrName>
-                                        </p:attrNameLst>
-                                      </p:cBhvr>
-                                      <p:to>
-                                        <p:strVal val="visible"/>
-                                      </p:to>
-                                    </p:set>
-                                    <p:animEffect transition="in" filter="fade">
-                                      <p:cBhvr>
-                                        <p:cTn id="32" dur="500"/>
-                                        <p:tgtEl>
-                                          <p:spTgt spid="14">
-                                            <p:txEl>
-                                              <p:pRg st="5" end="5"/>
-                                            </p:txEl>
-                                          </p:spTgt>
-                                        </p:tgtEl>
-                                      </p:cBhvr>
-                                    </p:animEffect>
-                                  </p:childTnLst>
-                                </p:cTn>
-                              </p:par>
-                            </p:childTnLst>
-                          </p:cTn>
-                        </p:par>
-                      </p:childTnLst>
-                    </p:cTn>
-                  </p:par>
                 </p:childTnLst>
               </p:cTn>
               <p:prevCondLst>
@@ -4765,740 +3754,6 @@
 </file>
 
 <file path=ppt/slides/slide3.xml><?xml version="1.0" encoding="utf-8"?>
-<p:sld xmlns:a="http://schemas.openxmlformats.org/drawingml/2006/main" xmlns:r="http://schemas.openxmlformats.org/officeDocument/2006/relationships" xmlns:p="http://schemas.openxmlformats.org/presentationml/2006/main">
-  <p:cSld>
-    <p:spTree>
-      <p:nvGrpSpPr>
-        <p:cNvPr id="1" name=""/>
-        <p:cNvGrpSpPr/>
-        <p:nvPr/>
-      </p:nvGrpSpPr>
-      <p:grpSpPr>
-        <a:xfrm>
-          <a:off x="0" y="0"/>
-          <a:ext cx="0" cy="0"/>
-          <a:chOff x="0" y="0"/>
-          <a:chExt cx="0" cy="0"/>
-        </a:xfrm>
-      </p:grpSpPr>
-      <p:sp>
-        <p:nvSpPr>
-          <p:cNvPr id="13" name="Title 12"/>
-          <p:cNvSpPr>
-            <a:spLocks noGrp="1"/>
-          </p:cNvSpPr>
-          <p:nvPr>
-            <p:ph type="title"/>
-          </p:nvPr>
-        </p:nvSpPr>
-        <p:spPr/>
-        <p:txBody>
-          <a:bodyPr/>
-          <a:lstStyle/>
-          <a:p>
-            <a:r>
-              <a:rPr lang="en-US" dirty="0"/>
-              <a:t>Multiplayer Games on the C64</a:t>
-            </a:r>
-            <a:endParaRPr dirty="0"/>
-          </a:p>
-        </p:txBody>
-      </p:sp>
-      <p:sp>
-        <p:nvSpPr>
-          <p:cNvPr id="14" name="Content Placeholder 13"/>
-          <p:cNvSpPr>
-            <a:spLocks noGrp="1"/>
-          </p:cNvSpPr>
-          <p:nvPr>
-            <p:ph sz="half" idx="1"/>
-          </p:nvPr>
-        </p:nvSpPr>
-        <p:spPr>
-          <a:xfrm>
-            <a:off x="304800" y="1295400"/>
-            <a:ext cx="8221101" cy="4648200"/>
-          </a:xfrm>
-        </p:spPr>
-        <p:txBody>
-          <a:bodyPr>
-            <a:noAutofit/>
-          </a:bodyPr>
-          <a:lstStyle/>
-          <a:p>
-            <a:r>
-              <a:rPr lang="en-US" sz="2400" dirty="0"/>
-              <a:t>There are numerous Ethernet and Wi-Fi solutions for the Commodore 64:  RR-Net, ETH64, 64NIC+, etc.</a:t>
-            </a:r>
-          </a:p>
-          <a:p>
-            <a:endParaRPr lang="en-US" sz="2400" dirty="0"/>
-          </a:p>
-          <a:p>
-            <a:r>
-              <a:rPr lang="en-US" sz="2400" dirty="0"/>
-              <a:t>Plenty of </a:t>
-            </a:r>
-            <a:r>
-              <a:rPr lang="en-US" sz="2400" b="1" i="1" dirty="0">
-                <a:solidFill>
-                  <a:schemeClr val="tx1"/>
-                </a:solidFill>
-              </a:rPr>
-              <a:t>tools</a:t>
-            </a:r>
-            <a:r>
-              <a:rPr lang="en-US" sz="2400" dirty="0">
-                <a:solidFill>
-                  <a:schemeClr val="tx1"/>
-                </a:solidFill>
-              </a:rPr>
-              <a:t> </a:t>
-            </a:r>
-            <a:r>
-              <a:rPr lang="en-US" sz="2400" dirty="0"/>
-              <a:t>– file transfer, terminals, chat,  cross-development, web browsers, etc.</a:t>
-            </a:r>
-            <a:br>
-              <a:rPr lang="en-US" sz="2400" dirty="0"/>
-            </a:br>
-            <a:endParaRPr lang="en-US" sz="2400" dirty="0"/>
-          </a:p>
-          <a:p>
-            <a:r>
-              <a:rPr lang="en-US" sz="2400" dirty="0"/>
-              <a:t>How about some </a:t>
-            </a:r>
-            <a:r>
-              <a:rPr lang="en-US" sz="2400" b="1" i="1" dirty="0">
-                <a:solidFill>
-                  <a:schemeClr val="tx1"/>
-                </a:solidFill>
-              </a:rPr>
-              <a:t>games</a:t>
-            </a:r>
-            <a:r>
-              <a:rPr lang="en-US" sz="2400" dirty="0"/>
-              <a:t>!</a:t>
-            </a:r>
-            <a:br>
-              <a:rPr lang="en-US" sz="2400" dirty="0"/>
-            </a:br>
-            <a:endParaRPr lang="en-US" sz="2400" dirty="0"/>
-          </a:p>
-          <a:p>
-            <a:endParaRPr lang="en-US" sz="2400" dirty="0"/>
-          </a:p>
-        </p:txBody>
-      </p:sp>
-      <p:sp>
-        <p:nvSpPr>
-          <p:cNvPr id="3" name="Rectangle 2"/>
-          <p:cNvSpPr/>
-          <p:nvPr/>
-        </p:nvSpPr>
-        <p:spPr>
-          <a:xfrm>
-            <a:off x="9525000" y="6581001"/>
-            <a:ext cx="2599301" cy="276999"/>
-          </a:xfrm>
-          <a:prstGeom prst="rect">
-            <a:avLst/>
-          </a:prstGeom>
-        </p:spPr>
-        <p:txBody>
-          <a:bodyPr wrap="none">
-            <a:spAutoFit/>
-          </a:bodyPr>
-          <a:lstStyle/>
-          <a:p>
-            <a:r>
-              <a:rPr lang="en-US" sz="1200" i="1" dirty="0">
-                <a:solidFill>
-                  <a:schemeClr val="bg1">
-                    <a:lumMod val="65000"/>
-                    <a:lumOff val="35000"/>
-                  </a:schemeClr>
-                </a:solidFill>
-              </a:rPr>
-              <a:t>Photo Credit: CommodoreServer.com</a:t>
-            </a:r>
-          </a:p>
-        </p:txBody>
-      </p:sp>
-      <p:pic>
-        <p:nvPicPr>
-          <p:cNvPr id="5122" name="Picture 2" descr="https://www.commodoreserver.com/Commodore/PhotoGallery/9E220D15E65C4DF9AC90CE369A26355D.jpg"/>
-          <p:cNvPicPr>
-            <a:picLocks noChangeAspect="1" noChangeArrowheads="1"/>
-          </p:cNvPicPr>
-          <p:nvPr/>
-        </p:nvPicPr>
-        <p:blipFill>
-          <a:blip r:embed="rId2">
-            <a:extLst>
-              <a:ext uri="{28A0092B-C50C-407E-A947-70E740481C1C}">
-                <a14:useLocalDpi xmlns:a14="http://schemas.microsoft.com/office/drawing/2010/main" val="0"/>
-              </a:ext>
-            </a:extLst>
-          </a:blip>
-          <a:srcRect/>
-          <a:stretch>
-            <a:fillRect/>
-          </a:stretch>
-        </p:blipFill>
-        <p:spPr bwMode="auto">
-          <a:xfrm>
-            <a:off x="8915400" y="939800"/>
-            <a:ext cx="2708275" cy="3622667"/>
-          </a:xfrm>
-          <a:prstGeom prst="rect">
-            <a:avLst/>
-          </a:prstGeom>
-          <a:noFill/>
-          <a:extLst>
-            <a:ext uri="{909E8E84-426E-40DD-AFC4-6F175D3DCCD1}">
-              <a14:hiddenFill xmlns:a14="http://schemas.microsoft.com/office/drawing/2010/main">
-                <a:solidFill>
-                  <a:srgbClr val="FFFFFF"/>
-                </a:solidFill>
-              </a14:hiddenFill>
-            </a:ext>
-          </a:extLst>
-        </p:spPr>
-      </p:pic>
-      <p:grpSp>
-        <p:nvGrpSpPr>
-          <p:cNvPr id="6" name="Group 5"/>
-          <p:cNvGrpSpPr/>
-          <p:nvPr/>
-        </p:nvGrpSpPr>
-        <p:grpSpPr>
-          <a:xfrm>
-            <a:off x="718401" y="4648200"/>
-            <a:ext cx="6567318" cy="1582508"/>
-            <a:chOff x="718401" y="4648200"/>
-            <a:chExt cx="6567318" cy="1582508"/>
-          </a:xfrm>
-        </p:grpSpPr>
-        <p:pic>
-          <p:nvPicPr>
-            <p:cNvPr id="8" name="Picture 2" descr="Image result for artillery duel c64"/>
-            <p:cNvPicPr>
-              <a:picLocks noChangeAspect="1" noChangeArrowheads="1"/>
-            </p:cNvPicPr>
-            <p:nvPr/>
-          </p:nvPicPr>
-          <p:blipFill>
-            <a:blip r:embed="rId3">
-              <a:extLst>
-                <a:ext uri="{28A0092B-C50C-407E-A947-70E740481C1C}">
-                  <a14:useLocalDpi xmlns:a14="http://schemas.microsoft.com/office/drawing/2010/main" val="0"/>
-                </a:ext>
-              </a:extLst>
-            </a:blip>
-            <a:srcRect/>
-            <a:stretch>
-              <a:fillRect/>
-            </a:stretch>
-          </p:blipFill>
-          <p:spPr bwMode="auto">
-            <a:xfrm>
-              <a:off x="838200" y="4648201"/>
-              <a:ext cx="1919585" cy="1151751"/>
-            </a:xfrm>
-            <a:prstGeom prst="rect">
-              <a:avLst/>
-            </a:prstGeom>
-            <a:noFill/>
-            <a:ln>
-              <a:solidFill>
-                <a:schemeClr val="tx1">
-                  <a:lumMod val="85000"/>
-                </a:schemeClr>
-              </a:solidFill>
-            </a:ln>
-            <a:extLst>
-              <a:ext uri="{909E8E84-426E-40DD-AFC4-6F175D3DCCD1}">
-                <a14:hiddenFill xmlns:a14="http://schemas.microsoft.com/office/drawing/2010/main">
-                  <a:solidFill>
-                    <a:srgbClr val="FFFFFF"/>
-                  </a:solidFill>
-                </a14:hiddenFill>
-              </a:ext>
-            </a:extLst>
-          </p:spPr>
-        </p:pic>
-        <p:pic>
-          <p:nvPicPr>
-            <p:cNvPr id="9" name="Picture 4" descr="NetRacer 1.1"/>
-            <p:cNvPicPr>
-              <a:picLocks noChangeAspect="1" noChangeArrowheads="1"/>
-            </p:cNvPicPr>
-            <p:nvPr/>
-          </p:nvPicPr>
-          <p:blipFill>
-            <a:blip r:embed="rId4">
-              <a:extLst>
-                <a:ext uri="{28A0092B-C50C-407E-A947-70E740481C1C}">
-                  <a14:useLocalDpi xmlns:a14="http://schemas.microsoft.com/office/drawing/2010/main" val="0"/>
-                </a:ext>
-              </a:extLst>
-            </a:blip>
-            <a:srcRect/>
-            <a:stretch>
-              <a:fillRect/>
-            </a:stretch>
-          </p:blipFill>
-          <p:spPr bwMode="auto">
-            <a:xfrm>
-              <a:off x="3197541" y="4648200"/>
-              <a:ext cx="1878583" cy="1151751"/>
-            </a:xfrm>
-            <a:prstGeom prst="rect">
-              <a:avLst/>
-            </a:prstGeom>
-            <a:noFill/>
-            <a:ln>
-              <a:solidFill>
-                <a:schemeClr val="tx1">
-                  <a:lumMod val="85000"/>
-                </a:schemeClr>
-              </a:solidFill>
-            </a:ln>
-            <a:extLst>
-              <a:ext uri="{909E8E84-426E-40DD-AFC4-6F175D3DCCD1}">
-                <a14:hiddenFill xmlns:a14="http://schemas.microsoft.com/office/drawing/2010/main">
-                  <a:solidFill>
-                    <a:srgbClr val="FFFFFF"/>
-                  </a:solidFill>
-                </a14:hiddenFill>
-              </a:ext>
-            </a:extLst>
-          </p:spPr>
-        </p:pic>
-        <p:pic>
-          <p:nvPicPr>
-            <p:cNvPr id="10" name="Picture 6" descr="https://jammingsignal.files.wordpress.com/2014/05/vortex-screenshot2.png"/>
-            <p:cNvPicPr>
-              <a:picLocks noChangeAspect="1" noChangeArrowheads="1"/>
-            </p:cNvPicPr>
-            <p:nvPr/>
-          </p:nvPicPr>
-          <p:blipFill>
-            <a:blip r:embed="rId5" cstate="print">
-              <a:extLst>
-                <a:ext uri="{28A0092B-C50C-407E-A947-70E740481C1C}">
-                  <a14:useLocalDpi xmlns:a14="http://schemas.microsoft.com/office/drawing/2010/main" val="0"/>
-                </a:ext>
-              </a:extLst>
-            </a:blip>
-            <a:srcRect/>
-            <a:stretch>
-              <a:fillRect/>
-            </a:stretch>
-          </p:blipFill>
-          <p:spPr bwMode="auto">
-            <a:xfrm>
-              <a:off x="5515881" y="4667250"/>
-              <a:ext cx="1769838" cy="1151751"/>
-            </a:xfrm>
-            <a:prstGeom prst="rect">
-              <a:avLst/>
-            </a:prstGeom>
-            <a:noFill/>
-            <a:ln>
-              <a:solidFill>
-                <a:schemeClr val="tx1">
-                  <a:lumMod val="85000"/>
-                </a:schemeClr>
-              </a:solidFill>
-            </a:ln>
-            <a:extLst>
-              <a:ext uri="{909E8E84-426E-40DD-AFC4-6F175D3DCCD1}">
-                <a14:hiddenFill xmlns:a14="http://schemas.microsoft.com/office/drawing/2010/main">
-                  <a:solidFill>
-                    <a:srgbClr val="FFFFFF"/>
-                  </a:solidFill>
-                </a14:hiddenFill>
-              </a:ext>
-            </a:extLst>
-          </p:spPr>
-        </p:pic>
-        <p:sp>
-          <p:nvSpPr>
-            <p:cNvPr id="2" name="Rectangle 1"/>
-            <p:cNvSpPr/>
-            <p:nvPr/>
-          </p:nvSpPr>
-          <p:spPr>
-            <a:xfrm>
-              <a:off x="718401" y="5799951"/>
-              <a:ext cx="2177199" cy="369332"/>
-            </a:xfrm>
-            <a:prstGeom prst="rect">
-              <a:avLst/>
-            </a:prstGeom>
-          </p:spPr>
-          <p:txBody>
-            <a:bodyPr wrap="none">
-              <a:spAutoFit/>
-            </a:bodyPr>
-            <a:lstStyle/>
-            <a:p>
-              <a:r>
-                <a:rPr lang="en-US" b="1" dirty="0"/>
-                <a:t>Artillery Duel (2007)</a:t>
-              </a:r>
-            </a:p>
-          </p:txBody>
-        </p:sp>
-        <p:sp>
-          <p:nvSpPr>
-            <p:cNvPr id="4" name="Rectangle 3"/>
-            <p:cNvSpPr/>
-            <p:nvPr/>
-          </p:nvSpPr>
-          <p:spPr>
-            <a:xfrm>
-              <a:off x="3197541" y="5805976"/>
-              <a:ext cx="1795684" cy="424732"/>
-            </a:xfrm>
-            <a:prstGeom prst="rect">
-              <a:avLst/>
-            </a:prstGeom>
-          </p:spPr>
-          <p:txBody>
-            <a:bodyPr wrap="none">
-              <a:spAutoFit/>
-            </a:bodyPr>
-            <a:lstStyle/>
-            <a:p>
-              <a:pPr>
-                <a:lnSpc>
-                  <a:spcPct val="120000"/>
-                </a:lnSpc>
-              </a:pPr>
-              <a:r>
-                <a:rPr lang="en-US" b="1" dirty="0" err="1"/>
-                <a:t>NetRacer</a:t>
-              </a:r>
-              <a:r>
-                <a:rPr lang="en-US" b="1" dirty="0"/>
-                <a:t> (2008)</a:t>
-              </a:r>
-            </a:p>
-          </p:txBody>
-        </p:sp>
-        <p:sp>
-          <p:nvSpPr>
-            <p:cNvPr id="5" name="Rectangle 4"/>
-            <p:cNvSpPr/>
-            <p:nvPr/>
-          </p:nvSpPr>
-          <p:spPr>
-            <a:xfrm>
-              <a:off x="5652967" y="5791200"/>
-              <a:ext cx="1495666" cy="369332"/>
-            </a:xfrm>
-            <a:prstGeom prst="rect">
-              <a:avLst/>
-            </a:prstGeom>
-          </p:spPr>
-          <p:txBody>
-            <a:bodyPr wrap="none">
-              <a:spAutoFit/>
-            </a:bodyPr>
-            <a:lstStyle/>
-            <a:p>
-              <a:r>
-                <a:rPr lang="en-US" b="1" dirty="0"/>
-                <a:t>Vortex (2014)</a:t>
-              </a:r>
-            </a:p>
-          </p:txBody>
-        </p:sp>
-      </p:grpSp>
-    </p:spTree>
-    <p:extLst>
-      <p:ext uri="{BB962C8B-B14F-4D97-AF65-F5344CB8AC3E}">
-        <p14:creationId xmlns:p14="http://schemas.microsoft.com/office/powerpoint/2010/main" val="1999003643"/>
-      </p:ext>
-    </p:extLst>
-  </p:cSld>
-  <p:clrMapOvr>
-    <a:masterClrMapping/>
-  </p:clrMapOvr>
-  <p:timing>
-    <p:tnLst>
-      <p:par>
-        <p:cTn id="1" dur="indefinite" restart="never" nodeType="tmRoot">
-          <p:childTnLst>
-            <p:seq concurrent="1" nextAc="seek">
-              <p:cTn id="2" dur="indefinite" nodeType="mainSeq">
-                <p:childTnLst>
-                  <p:par>
-                    <p:cTn id="3" fill="hold">
-                      <p:stCondLst>
-                        <p:cond delay="indefinite"/>
-                      </p:stCondLst>
-                      <p:childTnLst>
-                        <p:par>
-                          <p:cTn id="4" fill="hold">
-                            <p:stCondLst>
-                              <p:cond delay="0"/>
-                            </p:stCondLst>
-                            <p:childTnLst>
-                              <p:par>
-                                <p:cTn id="5" presetID="10" presetClass="entr" presetSubtype="0" fill="hold" nodeType="clickEffect">
-                                  <p:stCondLst>
-                                    <p:cond delay="0"/>
-                                  </p:stCondLst>
-                                  <p:childTnLst>
-                                    <p:set>
-                                      <p:cBhvr>
-                                        <p:cTn id="6" dur="1" fill="hold">
-                                          <p:stCondLst>
-                                            <p:cond delay="0"/>
-                                          </p:stCondLst>
-                                        </p:cTn>
-                                        <p:tgtEl>
-                                          <p:spTgt spid="14">
-                                            <p:txEl>
-                                              <p:pRg st="0" end="0"/>
-                                            </p:txEl>
-                                          </p:spTgt>
-                                        </p:tgtEl>
-                                        <p:attrNameLst>
-                                          <p:attrName>style.visibility</p:attrName>
-                                        </p:attrNameLst>
-                                      </p:cBhvr>
-                                      <p:to>
-                                        <p:strVal val="visible"/>
-                                      </p:to>
-                                    </p:set>
-                                    <p:animEffect transition="in" filter="fade">
-                                      <p:cBhvr>
-                                        <p:cTn id="7" dur="500"/>
-                                        <p:tgtEl>
-                                          <p:spTgt spid="14">
-                                            <p:txEl>
-                                              <p:pRg st="0" end="0"/>
-                                            </p:txEl>
-                                          </p:spTgt>
-                                        </p:tgtEl>
-                                      </p:cBhvr>
-                                    </p:animEffect>
-                                  </p:childTnLst>
-                                </p:cTn>
-                              </p:par>
-                            </p:childTnLst>
-                          </p:cTn>
-                        </p:par>
-                      </p:childTnLst>
-                    </p:cTn>
-                  </p:par>
-                  <p:par>
-                    <p:cTn id="8" fill="hold">
-                      <p:stCondLst>
-                        <p:cond delay="indefinite"/>
-                      </p:stCondLst>
-                      <p:childTnLst>
-                        <p:par>
-                          <p:cTn id="9" fill="hold">
-                            <p:stCondLst>
-                              <p:cond delay="0"/>
-                            </p:stCondLst>
-                            <p:childTnLst>
-                              <p:par>
-                                <p:cTn id="10" presetID="10" presetClass="entr" presetSubtype="0" fill="hold" nodeType="clickEffect">
-                                  <p:stCondLst>
-                                    <p:cond delay="0"/>
-                                  </p:stCondLst>
-                                  <p:childTnLst>
-                                    <p:set>
-                                      <p:cBhvr>
-                                        <p:cTn id="11" dur="1" fill="hold">
-                                          <p:stCondLst>
-                                            <p:cond delay="0"/>
-                                          </p:stCondLst>
-                                        </p:cTn>
-                                        <p:tgtEl>
-                                          <p:spTgt spid="14">
-                                            <p:txEl>
-                                              <p:pRg st="2" end="2"/>
-                                            </p:txEl>
-                                          </p:spTgt>
-                                        </p:tgtEl>
-                                        <p:attrNameLst>
-                                          <p:attrName>style.visibility</p:attrName>
-                                        </p:attrNameLst>
-                                      </p:cBhvr>
-                                      <p:to>
-                                        <p:strVal val="visible"/>
-                                      </p:to>
-                                    </p:set>
-                                    <p:animEffect transition="in" filter="fade">
-                                      <p:cBhvr>
-                                        <p:cTn id="12" dur="500"/>
-                                        <p:tgtEl>
-                                          <p:spTgt spid="14">
-                                            <p:txEl>
-                                              <p:pRg st="2" end="2"/>
-                                            </p:txEl>
-                                          </p:spTgt>
-                                        </p:tgtEl>
-                                      </p:cBhvr>
-                                    </p:animEffect>
-                                  </p:childTnLst>
-                                </p:cTn>
-                              </p:par>
-                            </p:childTnLst>
-                          </p:cTn>
-                        </p:par>
-                      </p:childTnLst>
-                    </p:cTn>
-                  </p:par>
-                  <p:par>
-                    <p:cTn id="13" fill="hold">
-                      <p:stCondLst>
-                        <p:cond delay="indefinite"/>
-                      </p:stCondLst>
-                      <p:childTnLst>
-                        <p:par>
-                          <p:cTn id="14" fill="hold">
-                            <p:stCondLst>
-                              <p:cond delay="0"/>
-                            </p:stCondLst>
-                            <p:childTnLst>
-                              <p:par>
-                                <p:cTn id="15" presetID="10" presetClass="entr" presetSubtype="0" fill="hold" nodeType="clickEffect">
-                                  <p:stCondLst>
-                                    <p:cond delay="0"/>
-                                  </p:stCondLst>
-                                  <p:childTnLst>
-                                    <p:set>
-                                      <p:cBhvr>
-                                        <p:cTn id="16" dur="1" fill="hold">
-                                          <p:stCondLst>
-                                            <p:cond delay="0"/>
-                                          </p:stCondLst>
-                                        </p:cTn>
-                                        <p:tgtEl>
-                                          <p:spTgt spid="14">
-                                            <p:txEl>
-                                              <p:pRg st="3" end="3"/>
-                                            </p:txEl>
-                                          </p:spTgt>
-                                        </p:tgtEl>
-                                        <p:attrNameLst>
-                                          <p:attrName>style.visibility</p:attrName>
-                                        </p:attrNameLst>
-                                      </p:cBhvr>
-                                      <p:to>
-                                        <p:strVal val="visible"/>
-                                      </p:to>
-                                    </p:set>
-                                    <p:animEffect transition="in" filter="fade">
-                                      <p:cBhvr>
-                                        <p:cTn id="17" dur="500"/>
-                                        <p:tgtEl>
-                                          <p:spTgt spid="14">
-                                            <p:txEl>
-                                              <p:pRg st="3" end="3"/>
-                                            </p:txEl>
-                                          </p:spTgt>
-                                        </p:tgtEl>
-                                      </p:cBhvr>
-                                    </p:animEffect>
-                                  </p:childTnLst>
-                                </p:cTn>
-                              </p:par>
-                            </p:childTnLst>
-                          </p:cTn>
-                        </p:par>
-                      </p:childTnLst>
-                    </p:cTn>
-                  </p:par>
-                  <p:par>
-                    <p:cTn id="18" fill="hold">
-                      <p:stCondLst>
-                        <p:cond delay="indefinite"/>
-                      </p:stCondLst>
-                      <p:childTnLst>
-                        <p:par>
-                          <p:cTn id="19" fill="hold">
-                            <p:stCondLst>
-                              <p:cond delay="0"/>
-                            </p:stCondLst>
-                            <p:childTnLst>
-                              <p:par>
-                                <p:cTn id="20" presetID="10" presetClass="entr" presetSubtype="0" fill="hold" nodeType="clickEffect">
-                                  <p:stCondLst>
-                                    <p:cond delay="0"/>
-                                  </p:stCondLst>
-                                  <p:childTnLst>
-                                    <p:set>
-                                      <p:cBhvr>
-                                        <p:cTn id="21" dur="1" fill="hold">
-                                          <p:stCondLst>
-                                            <p:cond delay="0"/>
-                                          </p:stCondLst>
-                                        </p:cTn>
-                                        <p:tgtEl>
-                                          <p:spTgt spid="6"/>
-                                        </p:tgtEl>
-                                        <p:attrNameLst>
-                                          <p:attrName>style.visibility</p:attrName>
-                                        </p:attrNameLst>
-                                      </p:cBhvr>
-                                      <p:to>
-                                        <p:strVal val="visible"/>
-                                      </p:to>
-                                    </p:set>
-                                    <p:animEffect transition="in" filter="fade">
-                                      <p:cBhvr>
-                                        <p:cTn id="22" dur="500"/>
-                                        <p:tgtEl>
-                                          <p:spTgt spid="6"/>
-                                        </p:tgtEl>
-                                      </p:cBhvr>
-                                    </p:animEffect>
-                                  </p:childTnLst>
-                                </p:cTn>
-                              </p:par>
-                            </p:childTnLst>
-                          </p:cTn>
-                        </p:par>
-                      </p:childTnLst>
-                    </p:cTn>
-                  </p:par>
-                </p:childTnLst>
-              </p:cTn>
-              <p:prevCondLst>
-                <p:cond evt="onPrev" delay="0">
-                  <p:tgtEl>
-                    <p:sldTgt/>
-                  </p:tgtEl>
-                </p:cond>
-              </p:prevCondLst>
-              <p:nextCondLst>
-                <p:cond evt="onNext" delay="0">
-                  <p:tgtEl>
-                    <p:sldTgt/>
-                  </p:tgtEl>
-                </p:cond>
-              </p:nextCondLst>
-            </p:seq>
-          </p:childTnLst>
-        </p:cTn>
-      </p:par>
-    </p:tnLst>
-  </p:timing>
-</p:sld>
-</file>
-
-<file path=ppt/slides/slide4.xml><?xml version="1.0" encoding="utf-8"?>
 <p:sld xmlns:a="http://schemas.openxmlformats.org/drawingml/2006/main" xmlns:r="http://schemas.openxmlformats.org/officeDocument/2006/relationships" xmlns:p="http://schemas.openxmlformats.org/presentationml/2006/main">
   <p:cSld>
     <p:spTree>
@@ -6202,6 +4457,625 @@
         </p:cTn>
       </p:par>
     </p:tnLst>
+  </p:timing>
+</p:sld>
+</file>
+
+<file path=ppt/slides/slide4.xml><?xml version="1.0" encoding="utf-8"?>
+<p:sld xmlns:a="http://schemas.openxmlformats.org/drawingml/2006/main" xmlns:r="http://schemas.openxmlformats.org/officeDocument/2006/relationships" xmlns:p="http://schemas.openxmlformats.org/presentationml/2006/main">
+  <p:cSld>
+    <p:spTree>
+      <p:nvGrpSpPr>
+        <p:cNvPr id="1" name=""/>
+        <p:cNvGrpSpPr/>
+        <p:nvPr/>
+      </p:nvGrpSpPr>
+      <p:grpSpPr>
+        <a:xfrm>
+          <a:off x="0" y="0"/>
+          <a:ext cx="0" cy="0"/>
+          <a:chOff x="0" y="0"/>
+          <a:chExt cx="0" cy="0"/>
+        </a:xfrm>
+      </p:grpSpPr>
+      <p:sp>
+        <p:nvSpPr>
+          <p:cNvPr id="13" name="Title 12"/>
+          <p:cNvSpPr>
+            <a:spLocks noGrp="1"/>
+          </p:cNvSpPr>
+          <p:nvPr>
+            <p:ph type="title"/>
+          </p:nvPr>
+        </p:nvSpPr>
+        <p:spPr>
+          <a:xfrm>
+            <a:off x="381000" y="304800"/>
+            <a:ext cx="12192000" cy="673100"/>
+          </a:xfrm>
+        </p:spPr>
+        <p:txBody>
+          <a:bodyPr>
+            <a:normAutofit/>
+          </a:bodyPr>
+          <a:lstStyle/>
+          <a:p>
+            <a:r>
+              <a:rPr lang="en-US" dirty="0"/>
+              <a:t>Unique? Gameplay Mechanics</a:t>
+            </a:r>
+            <a:endParaRPr dirty="0"/>
+          </a:p>
+        </p:txBody>
+      </p:sp>
+      <p:sp>
+        <p:nvSpPr>
+          <p:cNvPr id="14" name="Content Placeholder 13"/>
+          <p:cNvSpPr>
+            <a:spLocks noGrp="1"/>
+          </p:cNvSpPr>
+          <p:nvPr>
+            <p:ph sz="half" idx="1"/>
+          </p:nvPr>
+        </p:nvSpPr>
+        <p:spPr>
+          <a:xfrm>
+            <a:off x="381000" y="1447800"/>
+            <a:ext cx="9829800" cy="5105400"/>
+          </a:xfrm>
+        </p:spPr>
+        <p:txBody>
+          <a:bodyPr>
+            <a:normAutofit/>
+          </a:bodyPr>
+          <a:lstStyle/>
+          <a:p>
+            <a:pPr>
+              <a:lnSpc>
+                <a:spcPct val="150000"/>
+              </a:lnSpc>
+            </a:pPr>
+            <a:r>
+              <a:rPr lang="en-US" sz="2400" dirty="0"/>
+              <a:t>Carry items in Left hand and/or Right hand</a:t>
+            </a:r>
+          </a:p>
+          <a:p>
+            <a:pPr>
+              <a:lnSpc>
+                <a:spcPct val="150000"/>
+              </a:lnSpc>
+            </a:pPr>
+            <a:r>
+              <a:rPr lang="en-US" sz="2400" dirty="0"/>
+              <a:t>Double up swords or shields, or one of each</a:t>
+            </a:r>
+          </a:p>
+          <a:p>
+            <a:pPr>
+              <a:lnSpc>
+                <a:spcPct val="150000"/>
+              </a:lnSpc>
+            </a:pPr>
+            <a:r>
+              <a:rPr lang="en-US" sz="2400" dirty="0"/>
+              <a:t>Other items to be carried: Potions, Keys, Gold, </a:t>
+            </a:r>
+            <a:r>
+              <a:rPr lang="en-US" sz="2400" dirty="0" err="1"/>
+              <a:t>etc</a:t>
+            </a:r>
+            <a:endParaRPr lang="en-US" sz="2400" dirty="0"/>
+          </a:p>
+          <a:p>
+            <a:pPr>
+              <a:lnSpc>
+                <a:spcPct val="150000"/>
+              </a:lnSpc>
+            </a:pPr>
+            <a:r>
+              <a:rPr lang="en-US" sz="2400" dirty="0"/>
+              <a:t>No “inventory” (to encourage multiplayer)</a:t>
+            </a:r>
+          </a:p>
+          <a:p>
+            <a:pPr>
+              <a:lnSpc>
+                <a:spcPct val="150000"/>
+              </a:lnSpc>
+            </a:pPr>
+            <a:r>
+              <a:rPr lang="en-US" sz="2400" dirty="0"/>
+              <a:t>Use or inspect items</a:t>
+            </a:r>
+          </a:p>
+        </p:txBody>
+      </p:sp>
+      <p:pic>
+        <p:nvPicPr>
+          <p:cNvPr id="9218" name="Picture 2"/>
+          <p:cNvPicPr>
+            <a:picLocks noChangeAspect="1" noChangeArrowheads="1"/>
+          </p:cNvPicPr>
+          <p:nvPr/>
+        </p:nvPicPr>
+        <p:blipFill>
+          <a:blip r:embed="rId2">
+            <a:extLst>
+              <a:ext uri="{28A0092B-C50C-407E-A947-70E740481C1C}">
+                <a14:useLocalDpi xmlns:a14="http://schemas.microsoft.com/office/drawing/2010/main" val="0"/>
+              </a:ext>
+            </a:extLst>
+          </a:blip>
+          <a:srcRect/>
+          <a:stretch>
+            <a:fillRect/>
+          </a:stretch>
+        </p:blipFill>
+        <p:spPr bwMode="auto">
+          <a:xfrm>
+            <a:off x="8382000" y="1600200"/>
+            <a:ext cx="3079448" cy="2895600"/>
+          </a:xfrm>
+          <a:prstGeom prst="rect">
+            <a:avLst/>
+          </a:prstGeom>
+          <a:noFill/>
+          <a:ln w="9525">
+            <a:solidFill>
+              <a:srgbClr val="FFC000"/>
+            </a:solidFill>
+            <a:miter lim="800000"/>
+            <a:headEnd/>
+            <a:tailEnd/>
+          </a:ln>
+          <a:extLst>
+            <a:ext uri="{909E8E84-426E-40DD-AFC4-6F175D3DCCD1}">
+              <a14:hiddenFill xmlns:a14="http://schemas.microsoft.com/office/drawing/2010/main">
+                <a:solidFill>
+                  <a:schemeClr val="accent1"/>
+                </a:solidFill>
+              </a14:hiddenFill>
+            </a:ext>
+          </a:extLst>
+        </p:spPr>
+      </p:pic>
+      <p:pic>
+        <p:nvPicPr>
+          <p:cNvPr id="9219" name="Picture 3"/>
+          <p:cNvPicPr>
+            <a:picLocks noChangeAspect="1" noChangeArrowheads="1"/>
+          </p:cNvPicPr>
+          <p:nvPr/>
+        </p:nvPicPr>
+        <p:blipFill>
+          <a:blip r:embed="rId3">
+            <a:extLst>
+              <a:ext uri="{28A0092B-C50C-407E-A947-70E740481C1C}">
+                <a14:useLocalDpi xmlns:a14="http://schemas.microsoft.com/office/drawing/2010/main" val="0"/>
+              </a:ext>
+            </a:extLst>
+          </a:blip>
+          <a:srcRect/>
+          <a:stretch>
+            <a:fillRect/>
+          </a:stretch>
+        </p:blipFill>
+        <p:spPr bwMode="auto">
+          <a:xfrm>
+            <a:off x="10820400" y="228600"/>
+            <a:ext cx="457200" cy="514350"/>
+          </a:xfrm>
+          <a:prstGeom prst="rect">
+            <a:avLst/>
+          </a:prstGeom>
+          <a:noFill/>
+          <a:ln>
+            <a:noFill/>
+          </a:ln>
+          <a:extLst>
+            <a:ext uri="{909E8E84-426E-40DD-AFC4-6F175D3DCCD1}">
+              <a14:hiddenFill xmlns:a14="http://schemas.microsoft.com/office/drawing/2010/main">
+                <a:solidFill>
+                  <a:schemeClr val="accent1"/>
+                </a:solidFill>
+              </a14:hiddenFill>
+            </a:ext>
+            <a:ext uri="{91240B29-F687-4F45-9708-019B960494DF}">
+              <a14:hiddenLine xmlns:a14="http://schemas.microsoft.com/office/drawing/2010/main" w="9525">
+                <a:solidFill>
+                  <a:schemeClr val="tx1"/>
+                </a:solidFill>
+                <a:miter lim="800000"/>
+                <a:headEnd/>
+                <a:tailEnd/>
+              </a14:hiddenLine>
+            </a:ext>
+          </a:extLst>
+        </p:spPr>
+      </p:pic>
+    </p:spTree>
+    <p:extLst>
+      <p:ext uri="{BB962C8B-B14F-4D97-AF65-F5344CB8AC3E}">
+        <p14:creationId xmlns:p14="http://schemas.microsoft.com/office/powerpoint/2010/main" val="3935908178"/>
+      </p:ext>
+    </p:extLst>
+  </p:cSld>
+  <p:clrMapOvr>
+    <a:masterClrMapping/>
+  </p:clrMapOvr>
+  <p:timing>
+    <p:tnLst>
+      <p:par>
+        <p:cTn id="1" dur="indefinite" restart="never" nodeType="tmRoot">
+          <p:childTnLst>
+            <p:seq concurrent="1" nextAc="seek">
+              <p:cTn id="2" dur="indefinite" nodeType="mainSeq">
+                <p:childTnLst>
+                  <p:par>
+                    <p:cTn id="3" fill="hold">
+                      <p:stCondLst>
+                        <p:cond delay="indefinite"/>
+                      </p:stCondLst>
+                      <p:childTnLst>
+                        <p:par>
+                          <p:cTn id="4" fill="hold">
+                            <p:stCondLst>
+                              <p:cond delay="0"/>
+                            </p:stCondLst>
+                            <p:childTnLst>
+                              <p:par>
+                                <p:cTn id="5" presetID="10" presetClass="entr" presetSubtype="0" fill="hold" grpId="0" nodeType="clickEffect">
+                                  <p:stCondLst>
+                                    <p:cond delay="0"/>
+                                  </p:stCondLst>
+                                  <p:childTnLst>
+                                    <p:set>
+                                      <p:cBhvr>
+                                        <p:cTn id="6" dur="1" fill="hold">
+                                          <p:stCondLst>
+                                            <p:cond delay="0"/>
+                                          </p:stCondLst>
+                                        </p:cTn>
+                                        <p:tgtEl>
+                                          <p:spTgt spid="14">
+                                            <p:txEl>
+                                              <p:pRg st="0" end="0"/>
+                                            </p:txEl>
+                                          </p:spTgt>
+                                        </p:tgtEl>
+                                        <p:attrNameLst>
+                                          <p:attrName>style.visibility</p:attrName>
+                                        </p:attrNameLst>
+                                      </p:cBhvr>
+                                      <p:to>
+                                        <p:strVal val="visible"/>
+                                      </p:to>
+                                    </p:set>
+                                    <p:animEffect transition="in" filter="fade">
+                                      <p:cBhvr>
+                                        <p:cTn id="7" dur="500"/>
+                                        <p:tgtEl>
+                                          <p:spTgt spid="14">
+                                            <p:txEl>
+                                              <p:pRg st="0" end="0"/>
+                                            </p:txEl>
+                                          </p:spTgt>
+                                        </p:tgtEl>
+                                      </p:cBhvr>
+                                    </p:animEffect>
+                                  </p:childTnLst>
+                                </p:cTn>
+                              </p:par>
+                              <p:par>
+                                <p:cTn id="8" presetID="10" presetClass="entr" presetSubtype="0" fill="hold" nodeType="withEffect">
+                                  <p:stCondLst>
+                                    <p:cond delay="0"/>
+                                  </p:stCondLst>
+                                  <p:childTnLst>
+                                    <p:set>
+                                      <p:cBhvr>
+                                        <p:cTn id="9" dur="1" fill="hold">
+                                          <p:stCondLst>
+                                            <p:cond delay="0"/>
+                                          </p:stCondLst>
+                                        </p:cTn>
+                                        <p:tgtEl>
+                                          <p:spTgt spid="9218"/>
+                                        </p:tgtEl>
+                                        <p:attrNameLst>
+                                          <p:attrName>style.visibility</p:attrName>
+                                        </p:attrNameLst>
+                                      </p:cBhvr>
+                                      <p:to>
+                                        <p:strVal val="visible"/>
+                                      </p:to>
+                                    </p:set>
+                                    <p:animEffect transition="in" filter="fade">
+                                      <p:cBhvr>
+                                        <p:cTn id="10" dur="500"/>
+                                        <p:tgtEl>
+                                          <p:spTgt spid="9218"/>
+                                        </p:tgtEl>
+                                      </p:cBhvr>
+                                    </p:animEffect>
+                                  </p:childTnLst>
+                                </p:cTn>
+                              </p:par>
+                            </p:childTnLst>
+                          </p:cTn>
+                        </p:par>
+                      </p:childTnLst>
+                    </p:cTn>
+                  </p:par>
+                  <p:par>
+                    <p:cTn id="11" fill="hold">
+                      <p:stCondLst>
+                        <p:cond delay="indefinite"/>
+                      </p:stCondLst>
+                      <p:childTnLst>
+                        <p:par>
+                          <p:cTn id="12" fill="hold">
+                            <p:stCondLst>
+                              <p:cond delay="0"/>
+                            </p:stCondLst>
+                            <p:childTnLst>
+                              <p:par>
+                                <p:cTn id="13" presetID="10" presetClass="entr" presetSubtype="0" fill="hold" grpId="0" nodeType="clickEffect">
+                                  <p:stCondLst>
+                                    <p:cond delay="0"/>
+                                  </p:stCondLst>
+                                  <p:childTnLst>
+                                    <p:set>
+                                      <p:cBhvr>
+                                        <p:cTn id="14" dur="1" fill="hold">
+                                          <p:stCondLst>
+                                            <p:cond delay="0"/>
+                                          </p:stCondLst>
+                                        </p:cTn>
+                                        <p:tgtEl>
+                                          <p:spTgt spid="14">
+                                            <p:txEl>
+                                              <p:pRg st="1" end="1"/>
+                                            </p:txEl>
+                                          </p:spTgt>
+                                        </p:tgtEl>
+                                        <p:attrNameLst>
+                                          <p:attrName>style.visibility</p:attrName>
+                                        </p:attrNameLst>
+                                      </p:cBhvr>
+                                      <p:to>
+                                        <p:strVal val="visible"/>
+                                      </p:to>
+                                    </p:set>
+                                    <p:animEffect transition="in" filter="fade">
+                                      <p:cBhvr>
+                                        <p:cTn id="15" dur="500"/>
+                                        <p:tgtEl>
+                                          <p:spTgt spid="14">
+                                            <p:txEl>
+                                              <p:pRg st="1" end="1"/>
+                                            </p:txEl>
+                                          </p:spTgt>
+                                        </p:tgtEl>
+                                      </p:cBhvr>
+                                    </p:animEffect>
+                                  </p:childTnLst>
+                                </p:cTn>
+                              </p:par>
+                            </p:childTnLst>
+                          </p:cTn>
+                        </p:par>
+                      </p:childTnLst>
+                    </p:cTn>
+                  </p:par>
+                  <p:par>
+                    <p:cTn id="16" fill="hold">
+                      <p:stCondLst>
+                        <p:cond delay="indefinite"/>
+                      </p:stCondLst>
+                      <p:childTnLst>
+                        <p:par>
+                          <p:cTn id="17" fill="hold">
+                            <p:stCondLst>
+                              <p:cond delay="0"/>
+                            </p:stCondLst>
+                            <p:childTnLst>
+                              <p:par>
+                                <p:cTn id="18" presetID="10" presetClass="entr" presetSubtype="0" fill="hold" grpId="0" nodeType="clickEffect">
+                                  <p:stCondLst>
+                                    <p:cond delay="0"/>
+                                  </p:stCondLst>
+                                  <p:childTnLst>
+                                    <p:set>
+                                      <p:cBhvr>
+                                        <p:cTn id="19" dur="1" fill="hold">
+                                          <p:stCondLst>
+                                            <p:cond delay="0"/>
+                                          </p:stCondLst>
+                                        </p:cTn>
+                                        <p:tgtEl>
+                                          <p:spTgt spid="14">
+                                            <p:txEl>
+                                              <p:pRg st="2" end="2"/>
+                                            </p:txEl>
+                                          </p:spTgt>
+                                        </p:tgtEl>
+                                        <p:attrNameLst>
+                                          <p:attrName>style.visibility</p:attrName>
+                                        </p:attrNameLst>
+                                      </p:cBhvr>
+                                      <p:to>
+                                        <p:strVal val="visible"/>
+                                      </p:to>
+                                    </p:set>
+                                    <p:animEffect transition="in" filter="fade">
+                                      <p:cBhvr>
+                                        <p:cTn id="20" dur="500"/>
+                                        <p:tgtEl>
+                                          <p:spTgt spid="14">
+                                            <p:txEl>
+                                              <p:pRg st="2" end="2"/>
+                                            </p:txEl>
+                                          </p:spTgt>
+                                        </p:tgtEl>
+                                      </p:cBhvr>
+                                    </p:animEffect>
+                                  </p:childTnLst>
+                                </p:cTn>
+                              </p:par>
+                            </p:childTnLst>
+                          </p:cTn>
+                        </p:par>
+                      </p:childTnLst>
+                    </p:cTn>
+                  </p:par>
+                  <p:par>
+                    <p:cTn id="21" fill="hold">
+                      <p:stCondLst>
+                        <p:cond delay="indefinite"/>
+                      </p:stCondLst>
+                      <p:childTnLst>
+                        <p:par>
+                          <p:cTn id="22" fill="hold">
+                            <p:stCondLst>
+                              <p:cond delay="0"/>
+                            </p:stCondLst>
+                            <p:childTnLst>
+                              <p:par>
+                                <p:cTn id="23" presetID="10" presetClass="entr" presetSubtype="0" fill="hold" grpId="0" nodeType="clickEffect">
+                                  <p:stCondLst>
+                                    <p:cond delay="0"/>
+                                  </p:stCondLst>
+                                  <p:childTnLst>
+                                    <p:set>
+                                      <p:cBhvr>
+                                        <p:cTn id="24" dur="1" fill="hold">
+                                          <p:stCondLst>
+                                            <p:cond delay="0"/>
+                                          </p:stCondLst>
+                                        </p:cTn>
+                                        <p:tgtEl>
+                                          <p:spTgt spid="14">
+                                            <p:txEl>
+                                              <p:pRg st="3" end="3"/>
+                                            </p:txEl>
+                                          </p:spTgt>
+                                        </p:tgtEl>
+                                        <p:attrNameLst>
+                                          <p:attrName>style.visibility</p:attrName>
+                                        </p:attrNameLst>
+                                      </p:cBhvr>
+                                      <p:to>
+                                        <p:strVal val="visible"/>
+                                      </p:to>
+                                    </p:set>
+                                    <p:animEffect transition="in" filter="fade">
+                                      <p:cBhvr>
+                                        <p:cTn id="25" dur="500"/>
+                                        <p:tgtEl>
+                                          <p:spTgt spid="14">
+                                            <p:txEl>
+                                              <p:pRg st="3" end="3"/>
+                                            </p:txEl>
+                                          </p:spTgt>
+                                        </p:tgtEl>
+                                      </p:cBhvr>
+                                    </p:animEffect>
+                                  </p:childTnLst>
+                                </p:cTn>
+                              </p:par>
+                            </p:childTnLst>
+                          </p:cTn>
+                        </p:par>
+                      </p:childTnLst>
+                    </p:cTn>
+                  </p:par>
+                  <p:par>
+                    <p:cTn id="26" fill="hold">
+                      <p:stCondLst>
+                        <p:cond delay="indefinite"/>
+                      </p:stCondLst>
+                      <p:childTnLst>
+                        <p:par>
+                          <p:cTn id="27" fill="hold">
+                            <p:stCondLst>
+                              <p:cond delay="0"/>
+                            </p:stCondLst>
+                            <p:childTnLst>
+                              <p:par>
+                                <p:cTn id="28" presetID="10" presetClass="entr" presetSubtype="0" fill="hold" grpId="0" nodeType="clickEffect">
+                                  <p:stCondLst>
+                                    <p:cond delay="0"/>
+                                  </p:stCondLst>
+                                  <p:childTnLst>
+                                    <p:set>
+                                      <p:cBhvr>
+                                        <p:cTn id="29" dur="1" fill="hold">
+                                          <p:stCondLst>
+                                            <p:cond delay="0"/>
+                                          </p:stCondLst>
+                                        </p:cTn>
+                                        <p:tgtEl>
+                                          <p:spTgt spid="14">
+                                            <p:txEl>
+                                              <p:pRg st="4" end="4"/>
+                                            </p:txEl>
+                                          </p:spTgt>
+                                        </p:tgtEl>
+                                        <p:attrNameLst>
+                                          <p:attrName>style.visibility</p:attrName>
+                                        </p:attrNameLst>
+                                      </p:cBhvr>
+                                      <p:to>
+                                        <p:strVal val="visible"/>
+                                      </p:to>
+                                    </p:set>
+                                    <p:animEffect transition="in" filter="fade">
+                                      <p:cBhvr>
+                                        <p:cTn id="30" dur="500"/>
+                                        <p:tgtEl>
+                                          <p:spTgt spid="14">
+                                            <p:txEl>
+                                              <p:pRg st="4" end="4"/>
+                                            </p:txEl>
+                                          </p:spTgt>
+                                        </p:tgtEl>
+                                      </p:cBhvr>
+                                    </p:animEffect>
+                                  </p:childTnLst>
+                                </p:cTn>
+                              </p:par>
+                            </p:childTnLst>
+                          </p:cTn>
+                        </p:par>
+                      </p:childTnLst>
+                    </p:cTn>
+                  </p:par>
+                </p:childTnLst>
+              </p:cTn>
+              <p:prevCondLst>
+                <p:cond evt="onPrev" delay="0">
+                  <p:tgtEl>
+                    <p:sldTgt/>
+                  </p:tgtEl>
+                </p:cond>
+              </p:prevCondLst>
+              <p:nextCondLst>
+                <p:cond evt="onNext" delay="0">
+                  <p:tgtEl>
+                    <p:sldTgt/>
+                  </p:tgtEl>
+                </p:cond>
+              </p:nextCondLst>
+            </p:seq>
+          </p:childTnLst>
+        </p:cTn>
+      </p:par>
+    </p:tnLst>
+    <p:bldLst>
+      <p:bldP spid="14" grpId="0" uiExpand="1" build="p"/>
+    </p:bldLst>
   </p:timing>
 </p:sld>
 </file>
@@ -7730,21 +6604,14 @@
             <p:ph type="title"/>
           </p:nvPr>
         </p:nvSpPr>
-        <p:spPr>
-          <a:xfrm>
-            <a:off x="381000" y="304800"/>
-            <a:ext cx="12192000" cy="673100"/>
-          </a:xfrm>
-        </p:spPr>
+        <p:spPr/>
         <p:txBody>
-          <a:bodyPr>
-            <a:normAutofit/>
-          </a:bodyPr>
+          <a:bodyPr/>
           <a:lstStyle/>
           <a:p>
             <a:r>
               <a:rPr lang="en-US" dirty="0"/>
-              <a:t>Unique? Gameplay Mechanics</a:t>
+              <a:t>What’s New since 2019?</a:t>
             </a:r>
             <a:endParaRPr dirty="0"/>
           </a:p>
@@ -7762,763 +6629,7 @@
         </p:nvSpPr>
         <p:spPr>
           <a:xfrm>
-            <a:off x="381000" y="1447800"/>
-            <a:ext cx="9829800" cy="5105400"/>
-          </a:xfrm>
-        </p:spPr>
-        <p:txBody>
-          <a:bodyPr>
-            <a:normAutofit/>
-          </a:bodyPr>
-          <a:lstStyle/>
-          <a:p>
-            <a:pPr>
-              <a:lnSpc>
-                <a:spcPct val="150000"/>
-              </a:lnSpc>
-            </a:pPr>
-            <a:r>
-              <a:rPr lang="en-US" sz="2400" dirty="0"/>
-              <a:t>Carry items in Left hand and/or Right hand</a:t>
-            </a:r>
-          </a:p>
-          <a:p>
-            <a:pPr>
-              <a:lnSpc>
-                <a:spcPct val="150000"/>
-              </a:lnSpc>
-            </a:pPr>
-            <a:r>
-              <a:rPr lang="en-US" sz="2400" dirty="0"/>
-              <a:t>Double up swords or shields, or one of each</a:t>
-            </a:r>
-          </a:p>
-          <a:p>
-            <a:pPr>
-              <a:lnSpc>
-                <a:spcPct val="150000"/>
-              </a:lnSpc>
-            </a:pPr>
-            <a:r>
-              <a:rPr lang="en-US" sz="2400" dirty="0"/>
-              <a:t>Other items to be carried: Potions, Keys, Gold, </a:t>
-            </a:r>
-            <a:r>
-              <a:rPr lang="en-US" sz="2400" dirty="0" err="1"/>
-              <a:t>etc</a:t>
-            </a:r>
-            <a:endParaRPr lang="en-US" sz="2400" dirty="0"/>
-          </a:p>
-          <a:p>
-            <a:pPr>
-              <a:lnSpc>
-                <a:spcPct val="150000"/>
-              </a:lnSpc>
-            </a:pPr>
-            <a:r>
-              <a:rPr lang="en-US" sz="2400" dirty="0"/>
-              <a:t>No “inventory” (to encourage multiplayer)</a:t>
-            </a:r>
-          </a:p>
-          <a:p>
-            <a:pPr>
-              <a:lnSpc>
-                <a:spcPct val="150000"/>
-              </a:lnSpc>
-            </a:pPr>
-            <a:r>
-              <a:rPr lang="en-US" sz="2400" dirty="0"/>
-              <a:t>Use or inspect items</a:t>
-            </a:r>
-          </a:p>
-          <a:p>
-            <a:pPr>
-              <a:lnSpc>
-                <a:spcPct val="150000"/>
-              </a:lnSpc>
-            </a:pPr>
-            <a:r>
-              <a:rPr lang="en-US" sz="2400" dirty="0"/>
-              <a:t>Play with Joystick on C64!</a:t>
-            </a:r>
-          </a:p>
-          <a:p>
-            <a:pPr>
-              <a:lnSpc>
-                <a:spcPct val="150000"/>
-              </a:lnSpc>
-            </a:pPr>
-            <a:r>
-              <a:rPr lang="en-US" sz="2400" dirty="0"/>
-              <a:t>Voice chat though Discord</a:t>
-            </a:r>
-          </a:p>
-        </p:txBody>
-      </p:sp>
-      <p:pic>
-        <p:nvPicPr>
-          <p:cNvPr id="9218" name="Picture 2"/>
-          <p:cNvPicPr>
-            <a:picLocks noChangeAspect="1" noChangeArrowheads="1"/>
-          </p:cNvPicPr>
-          <p:nvPr/>
-        </p:nvPicPr>
-        <p:blipFill>
-          <a:blip r:embed="rId2">
-            <a:extLst>
-              <a:ext uri="{28A0092B-C50C-407E-A947-70E740481C1C}">
-                <a14:useLocalDpi xmlns:a14="http://schemas.microsoft.com/office/drawing/2010/main" val="0"/>
-              </a:ext>
-            </a:extLst>
-          </a:blip>
-          <a:srcRect/>
-          <a:stretch>
-            <a:fillRect/>
-          </a:stretch>
-        </p:blipFill>
-        <p:spPr bwMode="auto">
-          <a:xfrm>
-            <a:off x="8382000" y="1600200"/>
-            <a:ext cx="3079448" cy="2895600"/>
-          </a:xfrm>
-          <a:prstGeom prst="rect">
-            <a:avLst/>
-          </a:prstGeom>
-          <a:noFill/>
-          <a:ln w="9525">
-            <a:solidFill>
-              <a:srgbClr val="FFC000"/>
-            </a:solidFill>
-            <a:miter lim="800000"/>
-            <a:headEnd/>
-            <a:tailEnd/>
-          </a:ln>
-          <a:extLst>
-            <a:ext uri="{909E8E84-426E-40DD-AFC4-6F175D3DCCD1}">
-              <a14:hiddenFill xmlns:a14="http://schemas.microsoft.com/office/drawing/2010/main">
-                <a:solidFill>
-                  <a:schemeClr val="accent1"/>
-                </a:solidFill>
-              </a14:hiddenFill>
-            </a:ext>
-          </a:extLst>
-        </p:spPr>
-      </p:pic>
-      <p:pic>
-        <p:nvPicPr>
-          <p:cNvPr id="9219" name="Picture 3"/>
-          <p:cNvPicPr>
-            <a:picLocks noChangeAspect="1" noChangeArrowheads="1"/>
-          </p:cNvPicPr>
-          <p:nvPr/>
-        </p:nvPicPr>
-        <p:blipFill>
-          <a:blip r:embed="rId3">
-            <a:extLst>
-              <a:ext uri="{28A0092B-C50C-407E-A947-70E740481C1C}">
-                <a14:useLocalDpi xmlns:a14="http://schemas.microsoft.com/office/drawing/2010/main" val="0"/>
-              </a:ext>
-            </a:extLst>
-          </a:blip>
-          <a:srcRect/>
-          <a:stretch>
-            <a:fillRect/>
-          </a:stretch>
-        </p:blipFill>
-        <p:spPr bwMode="auto">
-          <a:xfrm>
-            <a:off x="10820400" y="228600"/>
-            <a:ext cx="457200" cy="514350"/>
-          </a:xfrm>
-          <a:prstGeom prst="rect">
-            <a:avLst/>
-          </a:prstGeom>
-          <a:noFill/>
-          <a:ln>
-            <a:noFill/>
-          </a:ln>
-          <a:extLst>
-            <a:ext uri="{909E8E84-426E-40DD-AFC4-6F175D3DCCD1}">
-              <a14:hiddenFill xmlns:a14="http://schemas.microsoft.com/office/drawing/2010/main">
-                <a:solidFill>
-                  <a:schemeClr val="accent1"/>
-                </a:solidFill>
-              </a14:hiddenFill>
-            </a:ext>
-            <a:ext uri="{91240B29-F687-4F45-9708-019B960494DF}">
-              <a14:hiddenLine xmlns:a14="http://schemas.microsoft.com/office/drawing/2010/main" w="9525">
-                <a:solidFill>
-                  <a:schemeClr val="tx1"/>
-                </a:solidFill>
-                <a:miter lim="800000"/>
-                <a:headEnd/>
-                <a:tailEnd/>
-              </a14:hiddenLine>
-            </a:ext>
-          </a:extLst>
-        </p:spPr>
-      </p:pic>
-    </p:spTree>
-    <p:extLst>
-      <p:ext uri="{BB962C8B-B14F-4D97-AF65-F5344CB8AC3E}">
-        <p14:creationId xmlns:p14="http://schemas.microsoft.com/office/powerpoint/2010/main" val="3935908178"/>
-      </p:ext>
-    </p:extLst>
-  </p:cSld>
-  <p:clrMapOvr>
-    <a:masterClrMapping/>
-  </p:clrMapOvr>
-  <p:timing>
-    <p:tnLst>
-      <p:par>
-        <p:cTn id="1" dur="indefinite" restart="never" nodeType="tmRoot">
-          <p:childTnLst>
-            <p:seq concurrent="1" nextAc="seek">
-              <p:cTn id="2" dur="indefinite" nodeType="mainSeq">
-                <p:childTnLst>
-                  <p:par>
-                    <p:cTn id="3" fill="hold">
-                      <p:stCondLst>
-                        <p:cond delay="indefinite"/>
-                      </p:stCondLst>
-                      <p:childTnLst>
-                        <p:par>
-                          <p:cTn id="4" fill="hold">
-                            <p:stCondLst>
-                              <p:cond delay="0"/>
-                            </p:stCondLst>
-                            <p:childTnLst>
-                              <p:par>
-                                <p:cTn id="5" presetID="10" presetClass="entr" presetSubtype="0" fill="hold" grpId="0" nodeType="clickEffect">
-                                  <p:stCondLst>
-                                    <p:cond delay="0"/>
-                                  </p:stCondLst>
-                                  <p:childTnLst>
-                                    <p:set>
-                                      <p:cBhvr>
-                                        <p:cTn id="6" dur="1" fill="hold">
-                                          <p:stCondLst>
-                                            <p:cond delay="0"/>
-                                          </p:stCondLst>
-                                        </p:cTn>
-                                        <p:tgtEl>
-                                          <p:spTgt spid="14">
-                                            <p:txEl>
-                                              <p:pRg st="0" end="0"/>
-                                            </p:txEl>
-                                          </p:spTgt>
-                                        </p:tgtEl>
-                                        <p:attrNameLst>
-                                          <p:attrName>style.visibility</p:attrName>
-                                        </p:attrNameLst>
-                                      </p:cBhvr>
-                                      <p:to>
-                                        <p:strVal val="visible"/>
-                                      </p:to>
-                                    </p:set>
-                                    <p:animEffect transition="in" filter="fade">
-                                      <p:cBhvr>
-                                        <p:cTn id="7" dur="500"/>
-                                        <p:tgtEl>
-                                          <p:spTgt spid="14">
-                                            <p:txEl>
-                                              <p:pRg st="0" end="0"/>
-                                            </p:txEl>
-                                          </p:spTgt>
-                                        </p:tgtEl>
-                                      </p:cBhvr>
-                                    </p:animEffect>
-                                  </p:childTnLst>
-                                </p:cTn>
-                              </p:par>
-                              <p:par>
-                                <p:cTn id="8" presetID="10" presetClass="entr" presetSubtype="0" fill="hold" nodeType="withEffect">
-                                  <p:stCondLst>
-                                    <p:cond delay="0"/>
-                                  </p:stCondLst>
-                                  <p:childTnLst>
-                                    <p:set>
-                                      <p:cBhvr>
-                                        <p:cTn id="9" dur="1" fill="hold">
-                                          <p:stCondLst>
-                                            <p:cond delay="0"/>
-                                          </p:stCondLst>
-                                        </p:cTn>
-                                        <p:tgtEl>
-                                          <p:spTgt spid="9218"/>
-                                        </p:tgtEl>
-                                        <p:attrNameLst>
-                                          <p:attrName>style.visibility</p:attrName>
-                                        </p:attrNameLst>
-                                      </p:cBhvr>
-                                      <p:to>
-                                        <p:strVal val="visible"/>
-                                      </p:to>
-                                    </p:set>
-                                    <p:animEffect transition="in" filter="fade">
-                                      <p:cBhvr>
-                                        <p:cTn id="10" dur="500"/>
-                                        <p:tgtEl>
-                                          <p:spTgt spid="9218"/>
-                                        </p:tgtEl>
-                                      </p:cBhvr>
-                                    </p:animEffect>
-                                  </p:childTnLst>
-                                </p:cTn>
-                              </p:par>
-                            </p:childTnLst>
-                          </p:cTn>
-                        </p:par>
-                      </p:childTnLst>
-                    </p:cTn>
-                  </p:par>
-                  <p:par>
-                    <p:cTn id="11" fill="hold">
-                      <p:stCondLst>
-                        <p:cond delay="indefinite"/>
-                      </p:stCondLst>
-                      <p:childTnLst>
-                        <p:par>
-                          <p:cTn id="12" fill="hold">
-                            <p:stCondLst>
-                              <p:cond delay="0"/>
-                            </p:stCondLst>
-                            <p:childTnLst>
-                              <p:par>
-                                <p:cTn id="13" presetID="10" presetClass="entr" presetSubtype="0" fill="hold" grpId="0" nodeType="clickEffect">
-                                  <p:stCondLst>
-                                    <p:cond delay="0"/>
-                                  </p:stCondLst>
-                                  <p:childTnLst>
-                                    <p:set>
-                                      <p:cBhvr>
-                                        <p:cTn id="14" dur="1" fill="hold">
-                                          <p:stCondLst>
-                                            <p:cond delay="0"/>
-                                          </p:stCondLst>
-                                        </p:cTn>
-                                        <p:tgtEl>
-                                          <p:spTgt spid="14">
-                                            <p:txEl>
-                                              <p:pRg st="1" end="1"/>
-                                            </p:txEl>
-                                          </p:spTgt>
-                                        </p:tgtEl>
-                                        <p:attrNameLst>
-                                          <p:attrName>style.visibility</p:attrName>
-                                        </p:attrNameLst>
-                                      </p:cBhvr>
-                                      <p:to>
-                                        <p:strVal val="visible"/>
-                                      </p:to>
-                                    </p:set>
-                                    <p:animEffect transition="in" filter="fade">
-                                      <p:cBhvr>
-                                        <p:cTn id="15" dur="500"/>
-                                        <p:tgtEl>
-                                          <p:spTgt spid="14">
-                                            <p:txEl>
-                                              <p:pRg st="1" end="1"/>
-                                            </p:txEl>
-                                          </p:spTgt>
-                                        </p:tgtEl>
-                                      </p:cBhvr>
-                                    </p:animEffect>
-                                  </p:childTnLst>
-                                </p:cTn>
-                              </p:par>
-                            </p:childTnLst>
-                          </p:cTn>
-                        </p:par>
-                      </p:childTnLst>
-                    </p:cTn>
-                  </p:par>
-                  <p:par>
-                    <p:cTn id="16" fill="hold">
-                      <p:stCondLst>
-                        <p:cond delay="indefinite"/>
-                      </p:stCondLst>
-                      <p:childTnLst>
-                        <p:par>
-                          <p:cTn id="17" fill="hold">
-                            <p:stCondLst>
-                              <p:cond delay="0"/>
-                            </p:stCondLst>
-                            <p:childTnLst>
-                              <p:par>
-                                <p:cTn id="18" presetID="10" presetClass="entr" presetSubtype="0" fill="hold" grpId="0" nodeType="clickEffect">
-                                  <p:stCondLst>
-                                    <p:cond delay="0"/>
-                                  </p:stCondLst>
-                                  <p:childTnLst>
-                                    <p:set>
-                                      <p:cBhvr>
-                                        <p:cTn id="19" dur="1" fill="hold">
-                                          <p:stCondLst>
-                                            <p:cond delay="0"/>
-                                          </p:stCondLst>
-                                        </p:cTn>
-                                        <p:tgtEl>
-                                          <p:spTgt spid="14">
-                                            <p:txEl>
-                                              <p:pRg st="2" end="2"/>
-                                            </p:txEl>
-                                          </p:spTgt>
-                                        </p:tgtEl>
-                                        <p:attrNameLst>
-                                          <p:attrName>style.visibility</p:attrName>
-                                        </p:attrNameLst>
-                                      </p:cBhvr>
-                                      <p:to>
-                                        <p:strVal val="visible"/>
-                                      </p:to>
-                                    </p:set>
-                                    <p:animEffect transition="in" filter="fade">
-                                      <p:cBhvr>
-                                        <p:cTn id="20" dur="500"/>
-                                        <p:tgtEl>
-                                          <p:spTgt spid="14">
-                                            <p:txEl>
-                                              <p:pRg st="2" end="2"/>
-                                            </p:txEl>
-                                          </p:spTgt>
-                                        </p:tgtEl>
-                                      </p:cBhvr>
-                                    </p:animEffect>
-                                  </p:childTnLst>
-                                </p:cTn>
-                              </p:par>
-                            </p:childTnLst>
-                          </p:cTn>
-                        </p:par>
-                      </p:childTnLst>
-                    </p:cTn>
-                  </p:par>
-                  <p:par>
-                    <p:cTn id="21" fill="hold">
-                      <p:stCondLst>
-                        <p:cond delay="indefinite"/>
-                      </p:stCondLst>
-                      <p:childTnLst>
-                        <p:par>
-                          <p:cTn id="22" fill="hold">
-                            <p:stCondLst>
-                              <p:cond delay="0"/>
-                            </p:stCondLst>
-                            <p:childTnLst>
-                              <p:par>
-                                <p:cTn id="23" presetID="10" presetClass="entr" presetSubtype="0" fill="hold" grpId="0" nodeType="clickEffect">
-                                  <p:stCondLst>
-                                    <p:cond delay="0"/>
-                                  </p:stCondLst>
-                                  <p:childTnLst>
-                                    <p:set>
-                                      <p:cBhvr>
-                                        <p:cTn id="24" dur="1" fill="hold">
-                                          <p:stCondLst>
-                                            <p:cond delay="0"/>
-                                          </p:stCondLst>
-                                        </p:cTn>
-                                        <p:tgtEl>
-                                          <p:spTgt spid="14">
-                                            <p:txEl>
-                                              <p:pRg st="3" end="3"/>
-                                            </p:txEl>
-                                          </p:spTgt>
-                                        </p:tgtEl>
-                                        <p:attrNameLst>
-                                          <p:attrName>style.visibility</p:attrName>
-                                        </p:attrNameLst>
-                                      </p:cBhvr>
-                                      <p:to>
-                                        <p:strVal val="visible"/>
-                                      </p:to>
-                                    </p:set>
-                                    <p:animEffect transition="in" filter="fade">
-                                      <p:cBhvr>
-                                        <p:cTn id="25" dur="500"/>
-                                        <p:tgtEl>
-                                          <p:spTgt spid="14">
-                                            <p:txEl>
-                                              <p:pRg st="3" end="3"/>
-                                            </p:txEl>
-                                          </p:spTgt>
-                                        </p:tgtEl>
-                                      </p:cBhvr>
-                                    </p:animEffect>
-                                  </p:childTnLst>
-                                </p:cTn>
-                              </p:par>
-                            </p:childTnLst>
-                          </p:cTn>
-                        </p:par>
-                      </p:childTnLst>
-                    </p:cTn>
-                  </p:par>
-                  <p:par>
-                    <p:cTn id="26" fill="hold">
-                      <p:stCondLst>
-                        <p:cond delay="indefinite"/>
-                      </p:stCondLst>
-                      <p:childTnLst>
-                        <p:par>
-                          <p:cTn id="27" fill="hold">
-                            <p:stCondLst>
-                              <p:cond delay="0"/>
-                            </p:stCondLst>
-                            <p:childTnLst>
-                              <p:par>
-                                <p:cTn id="28" presetID="10" presetClass="entr" presetSubtype="0" fill="hold" grpId="0" nodeType="clickEffect">
-                                  <p:stCondLst>
-                                    <p:cond delay="0"/>
-                                  </p:stCondLst>
-                                  <p:childTnLst>
-                                    <p:set>
-                                      <p:cBhvr>
-                                        <p:cTn id="29" dur="1" fill="hold">
-                                          <p:stCondLst>
-                                            <p:cond delay="0"/>
-                                          </p:stCondLst>
-                                        </p:cTn>
-                                        <p:tgtEl>
-                                          <p:spTgt spid="14">
-                                            <p:txEl>
-                                              <p:pRg st="4" end="4"/>
-                                            </p:txEl>
-                                          </p:spTgt>
-                                        </p:tgtEl>
-                                        <p:attrNameLst>
-                                          <p:attrName>style.visibility</p:attrName>
-                                        </p:attrNameLst>
-                                      </p:cBhvr>
-                                      <p:to>
-                                        <p:strVal val="visible"/>
-                                      </p:to>
-                                    </p:set>
-                                    <p:animEffect transition="in" filter="fade">
-                                      <p:cBhvr>
-                                        <p:cTn id="30" dur="500"/>
-                                        <p:tgtEl>
-                                          <p:spTgt spid="14">
-                                            <p:txEl>
-                                              <p:pRg st="4" end="4"/>
-                                            </p:txEl>
-                                          </p:spTgt>
-                                        </p:tgtEl>
-                                      </p:cBhvr>
-                                    </p:animEffect>
-                                  </p:childTnLst>
-                                </p:cTn>
-                              </p:par>
-                            </p:childTnLst>
-                          </p:cTn>
-                        </p:par>
-                      </p:childTnLst>
-                    </p:cTn>
-                  </p:par>
-                  <p:par>
-                    <p:cTn id="31" fill="hold">
-                      <p:stCondLst>
-                        <p:cond delay="indefinite"/>
-                      </p:stCondLst>
-                      <p:childTnLst>
-                        <p:par>
-                          <p:cTn id="32" fill="hold">
-                            <p:stCondLst>
-                              <p:cond delay="0"/>
-                            </p:stCondLst>
-                            <p:childTnLst>
-                              <p:par>
-                                <p:cTn id="33" presetID="10" presetClass="entr" presetSubtype="0" fill="hold" grpId="0" nodeType="clickEffect">
-                                  <p:stCondLst>
-                                    <p:cond delay="0"/>
-                                  </p:stCondLst>
-                                  <p:childTnLst>
-                                    <p:set>
-                                      <p:cBhvr>
-                                        <p:cTn id="34" dur="1" fill="hold">
-                                          <p:stCondLst>
-                                            <p:cond delay="0"/>
-                                          </p:stCondLst>
-                                        </p:cTn>
-                                        <p:tgtEl>
-                                          <p:spTgt spid="14">
-                                            <p:txEl>
-                                              <p:pRg st="5" end="5"/>
-                                            </p:txEl>
-                                          </p:spTgt>
-                                        </p:tgtEl>
-                                        <p:attrNameLst>
-                                          <p:attrName>style.visibility</p:attrName>
-                                        </p:attrNameLst>
-                                      </p:cBhvr>
-                                      <p:to>
-                                        <p:strVal val="visible"/>
-                                      </p:to>
-                                    </p:set>
-                                    <p:animEffect transition="in" filter="fade">
-                                      <p:cBhvr>
-                                        <p:cTn id="35" dur="500"/>
-                                        <p:tgtEl>
-                                          <p:spTgt spid="14">
-                                            <p:txEl>
-                                              <p:pRg st="5" end="5"/>
-                                            </p:txEl>
-                                          </p:spTgt>
-                                        </p:tgtEl>
-                                      </p:cBhvr>
-                                    </p:animEffect>
-                                  </p:childTnLst>
-                                </p:cTn>
-                              </p:par>
-                            </p:childTnLst>
-                          </p:cTn>
-                        </p:par>
-                      </p:childTnLst>
-                    </p:cTn>
-                  </p:par>
-                  <p:par>
-                    <p:cTn id="36" fill="hold">
-                      <p:stCondLst>
-                        <p:cond delay="indefinite"/>
-                      </p:stCondLst>
-                      <p:childTnLst>
-                        <p:par>
-                          <p:cTn id="37" fill="hold">
-                            <p:stCondLst>
-                              <p:cond delay="0"/>
-                            </p:stCondLst>
-                            <p:childTnLst>
-                              <p:par>
-                                <p:cTn id="38" presetID="10" presetClass="entr" presetSubtype="0" fill="hold" grpId="0" nodeType="clickEffect">
-                                  <p:stCondLst>
-                                    <p:cond delay="0"/>
-                                  </p:stCondLst>
-                                  <p:childTnLst>
-                                    <p:set>
-                                      <p:cBhvr>
-                                        <p:cTn id="39" dur="1" fill="hold">
-                                          <p:stCondLst>
-                                            <p:cond delay="0"/>
-                                          </p:stCondLst>
-                                        </p:cTn>
-                                        <p:tgtEl>
-                                          <p:spTgt spid="14">
-                                            <p:txEl>
-                                              <p:pRg st="6" end="6"/>
-                                            </p:txEl>
-                                          </p:spTgt>
-                                        </p:tgtEl>
-                                        <p:attrNameLst>
-                                          <p:attrName>style.visibility</p:attrName>
-                                        </p:attrNameLst>
-                                      </p:cBhvr>
-                                      <p:to>
-                                        <p:strVal val="visible"/>
-                                      </p:to>
-                                    </p:set>
-                                    <p:animEffect transition="in" filter="fade">
-                                      <p:cBhvr>
-                                        <p:cTn id="40" dur="500"/>
-                                        <p:tgtEl>
-                                          <p:spTgt spid="14">
-                                            <p:txEl>
-                                              <p:pRg st="6" end="6"/>
-                                            </p:txEl>
-                                          </p:spTgt>
-                                        </p:tgtEl>
-                                      </p:cBhvr>
-                                    </p:animEffect>
-                                  </p:childTnLst>
-                                </p:cTn>
-                              </p:par>
-                            </p:childTnLst>
-                          </p:cTn>
-                        </p:par>
-                      </p:childTnLst>
-                    </p:cTn>
-                  </p:par>
-                </p:childTnLst>
-              </p:cTn>
-              <p:prevCondLst>
-                <p:cond evt="onPrev" delay="0">
-                  <p:tgtEl>
-                    <p:sldTgt/>
-                  </p:tgtEl>
-                </p:cond>
-              </p:prevCondLst>
-              <p:nextCondLst>
-                <p:cond evt="onNext" delay="0">
-                  <p:tgtEl>
-                    <p:sldTgt/>
-                  </p:tgtEl>
-                </p:cond>
-              </p:nextCondLst>
-            </p:seq>
-          </p:childTnLst>
-        </p:cTn>
-      </p:par>
-    </p:tnLst>
-    <p:bldLst>
-      <p:bldP spid="14" grpId="0" uiExpand="1" build="p"/>
-    </p:bldLst>
-  </p:timing>
-</p:sld>
-</file>
-
-<file path=ppt/slides/slide7.xml><?xml version="1.0" encoding="utf-8"?>
-<p:sld xmlns:a="http://schemas.openxmlformats.org/drawingml/2006/main" xmlns:r="http://schemas.openxmlformats.org/officeDocument/2006/relationships" xmlns:p="http://schemas.openxmlformats.org/presentationml/2006/main">
-  <p:cSld>
-    <p:spTree>
-      <p:nvGrpSpPr>
-        <p:cNvPr id="1" name=""/>
-        <p:cNvGrpSpPr/>
-        <p:nvPr/>
-      </p:nvGrpSpPr>
-      <p:grpSpPr>
-        <a:xfrm>
-          <a:off x="0" y="0"/>
-          <a:ext cx="0" cy="0"/>
-          <a:chOff x="0" y="0"/>
-          <a:chExt cx="0" cy="0"/>
-        </a:xfrm>
-      </p:grpSpPr>
-      <p:sp>
-        <p:nvSpPr>
-          <p:cNvPr id="13" name="Title 12"/>
-          <p:cNvSpPr>
-            <a:spLocks noGrp="1"/>
-          </p:cNvSpPr>
-          <p:nvPr>
-            <p:ph type="title"/>
-          </p:nvPr>
-        </p:nvSpPr>
-        <p:spPr/>
-        <p:txBody>
-          <a:bodyPr/>
-          <a:lstStyle/>
-          <a:p>
-            <a:r>
-              <a:rPr lang="en-US" dirty="0"/>
-              <a:t>What’s New?</a:t>
-            </a:r>
-            <a:endParaRPr dirty="0"/>
-          </a:p>
-        </p:txBody>
-      </p:sp>
-      <p:sp>
-        <p:nvSpPr>
-          <p:cNvPr id="14" name="Content Placeholder 13"/>
-          <p:cNvSpPr>
-            <a:spLocks noGrp="1"/>
-          </p:cNvSpPr>
-          <p:nvPr>
-            <p:ph sz="half" idx="1"/>
-          </p:nvPr>
-        </p:nvSpPr>
-        <p:spPr>
-          <a:xfrm>
-            <a:off x="304800" y="1295400"/>
+            <a:off x="762000" y="1306882"/>
             <a:ext cx="11125200" cy="4648200"/>
           </a:xfrm>
         </p:spPr>
@@ -8530,7 +6641,7 @@
           <a:p>
             <a:r>
               <a:rPr lang="en-US" sz="2400" dirty="0"/>
-              <a:t>Numerous “tweaks” to gameplay after feedback from Roguelike Celebration 2018 and World of Commodore 2018</a:t>
+              <a:t>The Game has a Name! </a:t>
             </a:r>
           </a:p>
           <a:p>
@@ -8539,7 +6650,7 @@
           <a:p>
             <a:r>
               <a:rPr lang="en-US" sz="2400" dirty="0"/>
-              <a:t>Improved feedback on combat (hits/misses, damage)</a:t>
+              <a:t>Choose an avatar for your character</a:t>
             </a:r>
           </a:p>
           <a:p>
@@ -8548,7 +6659,7 @@
           <a:p>
             <a:r>
               <a:rPr lang="en-US" sz="2400" dirty="0"/>
-              <a:t>New “magic” items</a:t>
+              <a:t>Many new Items and Monsters</a:t>
             </a:r>
           </a:p>
           <a:p>
@@ -8557,22 +6668,8 @@
           <a:p>
             <a:r>
               <a:rPr lang="en-US" sz="2400" dirty="0"/>
-              <a:t>Items are immediately described when you walk over them</a:t>
+              <a:t>Support for the new “Ultimate 64” – Commodore 64 on an FPGA</a:t>
             </a:r>
-          </a:p>
-          <a:p>
-            <a:endParaRPr lang="en-US" sz="2400" dirty="0"/>
-          </a:p>
-          <a:p>
-            <a:r>
-              <a:rPr lang="en-US" sz="2400" dirty="0"/>
-              <a:t>Numerous </a:t>
-            </a:r>
-            <a:r>
-              <a:rPr lang="en-US" sz="2400" dirty="0" err="1"/>
-              <a:t>bugfixes</a:t>
-            </a:r>
-            <a:endParaRPr lang="en-US" sz="2400" dirty="0"/>
           </a:p>
           <a:p>
             <a:endParaRPr lang="en-US" sz="2400" dirty="0"/>
@@ -8585,6 +6682,9 @@
             <a:br>
               <a:rPr lang="en-US" sz="2400" dirty="0"/>
             </a:br>
+            <a:endParaRPr lang="en-US" sz="2400" dirty="0"/>
+          </a:p>
+          <a:p>
             <a:endParaRPr lang="en-US" sz="2400" dirty="0"/>
           </a:p>
           <a:p>
@@ -8626,6 +6726,53 @@
           <a:prstGeom prst="rect">
             <a:avLst/>
           </a:prstGeom>
+        </p:spPr>
+      </p:pic>
+      <p:pic>
+        <p:nvPicPr>
+          <p:cNvPr id="1026" name="Picture 2" descr="Commodore Software - Ultimate 64">
+            <a:extLst>
+              <a:ext uri="{FF2B5EF4-FFF2-40B4-BE49-F238E27FC236}">
+                <a16:creationId xmlns:a16="http://schemas.microsoft.com/office/drawing/2014/main" id="{DADA01DB-388A-4CB4-A25A-E5ACD7875701}"/>
+              </a:ext>
+            </a:extLst>
+          </p:cNvPr>
+          <p:cNvPicPr>
+            <a:picLocks noChangeAspect="1" noChangeArrowheads="1"/>
+          </p:cNvPicPr>
+          <p:nvPr/>
+        </p:nvPicPr>
+        <p:blipFill>
+          <a:blip r:embed="rId4">
+            <a:extLst>
+              <a:ext uri="{28A0092B-C50C-407E-A947-70E740481C1C}">
+                <a14:useLocalDpi xmlns:a14="http://schemas.microsoft.com/office/drawing/2010/main" val="0"/>
+              </a:ext>
+            </a:extLst>
+          </a:blip>
+          <a:srcRect/>
+          <a:stretch>
+            <a:fillRect/>
+          </a:stretch>
+        </p:blipFill>
+        <p:spPr bwMode="auto">
+          <a:xfrm>
+            <a:off x="8847165" y="2362200"/>
+            <a:ext cx="2582835" cy="1609725"/>
+          </a:xfrm>
+          <a:prstGeom prst="rect">
+            <a:avLst/>
+          </a:prstGeom>
+          <a:noFill/>
+          <a:extLst>
+            <a:ext uri="{909E8E84-426E-40DD-AFC4-6F175D3DCCD1}">
+              <a14:hiddenFill xmlns:a14="http://schemas.microsoft.com/office/drawing/2010/main">
+                <a:solidFill>
+                  <a:srgbClr val="FFFFFF"/>
+                </a:solidFill>
+              </a14:hiddenFill>
+            </a:ext>
+          </a:extLst>
         </p:spPr>
       </p:pic>
     </p:spTree>
@@ -8884,6 +7031,33 @@
                                   </p:childTnLst>
                                 </p:cTn>
                               </p:par>
+                              <p:par>
+                                <p:cTn id="23" presetID="1" presetClass="entr" presetSubtype="0" fill="hold" nodeType="withEffect">
+                                  <p:stCondLst>
+                                    <p:cond delay="0"/>
+                                  </p:stCondLst>
+                                  <p:childTnLst>
+                                    <p:set>
+                                      <p:cBhvr>
+                                        <p:cTn id="24" dur="1" fill="hold">
+                                          <p:stCondLst>
+                                            <p:cond delay="0"/>
+                                          </p:stCondLst>
+                                        </p:cTn>
+                                        <p:tgtEl>
+                                          <p:spTgt spid="1026"/>
+                                        </p:tgtEl>
+                                        <p:attrNameLst>
+                                          <p:attrName>style.visibility</p:attrName>
+                                        </p:attrNameLst>
+                                      </p:cBhvr>
+                                      <p:to>
+                                        <p:strVal val="visible"/>
+                                      </p:to>
+                                    </p:set>
+                                  </p:childTnLst>
+                                </p:cTn>
+                              </p:par>
                             </p:childTnLst>
                           </p:cTn>
                         </p:par>
@@ -8891,26 +7065,26 @@
                     </p:cTn>
                   </p:par>
                   <p:par>
-                    <p:cTn id="23" fill="hold">
+                    <p:cTn id="25" fill="hold">
                       <p:stCondLst>
                         <p:cond delay="indefinite"/>
                       </p:stCondLst>
                       <p:childTnLst>
                         <p:par>
-                          <p:cTn id="24" fill="hold">
+                          <p:cTn id="26" fill="hold">
                             <p:stCondLst>
                               <p:cond delay="0"/>
                             </p:stCondLst>
                             <p:childTnLst>
                               <p:par>
-                                <p:cTn id="25" presetID="10" presetClass="entr" presetSubtype="0" fill="hold" nodeType="clickEffect">
+                                <p:cTn id="27" presetID="10" presetClass="entr" presetSubtype="0" fill="hold" nodeType="clickEffect">
                                   <p:stCondLst>
                                     <p:cond delay="0"/>
                                   </p:stCondLst>
                                   <p:childTnLst>
                                     <p:set>
                                       <p:cBhvr>
-                                        <p:cTn id="26" dur="1" fill="hold">
+                                        <p:cTn id="28" dur="1" fill="hold">
                                           <p:stCondLst>
                                             <p:cond delay="0"/>
                                           </p:stCondLst>
@@ -8932,72 +7106,11 @@
                                     </p:set>
                                     <p:animEffect transition="in" filter="fade">
                                       <p:cBhvr>
-                                        <p:cTn id="27" dur="500"/>
+                                        <p:cTn id="29" dur="500"/>
                                         <p:tgtEl>
                                           <p:spTgt spid="14">
                                             <p:txEl>
                                               <p:pRg st="8" end="8"/>
-                                            </p:txEl>
-                                          </p:spTgt>
-                                        </p:tgtEl>
-                                      </p:cBhvr>
-                                    </p:animEffect>
-                                  </p:childTnLst>
-                                </p:cTn>
-                              </p:par>
-                            </p:childTnLst>
-                          </p:cTn>
-                        </p:par>
-                      </p:childTnLst>
-                    </p:cTn>
-                  </p:par>
-                  <p:par>
-                    <p:cTn id="28" fill="hold">
-                      <p:stCondLst>
-                        <p:cond delay="indefinite"/>
-                      </p:stCondLst>
-                      <p:childTnLst>
-                        <p:par>
-                          <p:cTn id="29" fill="hold">
-                            <p:stCondLst>
-                              <p:cond delay="0"/>
-                            </p:stCondLst>
-                            <p:childTnLst>
-                              <p:par>
-                                <p:cTn id="30" presetID="10" presetClass="entr" presetSubtype="0" fill="hold" nodeType="clickEffect">
-                                  <p:stCondLst>
-                                    <p:cond delay="0"/>
-                                  </p:stCondLst>
-                                  <p:childTnLst>
-                                    <p:set>
-                                      <p:cBhvr>
-                                        <p:cTn id="31" dur="1" fill="hold">
-                                          <p:stCondLst>
-                                            <p:cond delay="0"/>
-                                          </p:stCondLst>
-                                        </p:cTn>
-                                        <p:tgtEl>
-                                          <p:spTgt spid="14">
-                                            <p:txEl>
-                                              <p:pRg st="10" end="10"/>
-                                            </p:txEl>
-                                          </p:spTgt>
-                                        </p:tgtEl>
-                                        <p:attrNameLst>
-                                          <p:attrName>style.visibility</p:attrName>
-                                        </p:attrNameLst>
-                                      </p:cBhvr>
-                                      <p:to>
-                                        <p:strVal val="visible"/>
-                                      </p:to>
-                                    </p:set>
-                                    <p:animEffect transition="in" filter="fade">
-                                      <p:cBhvr>
-                                        <p:cTn id="32" dur="500"/>
-                                        <p:tgtEl>
-                                          <p:spTgt spid="14">
-                                            <p:txEl>
-                                              <p:pRg st="10" end="10"/>
                                             </p:txEl>
                                           </p:spTgt>
                                         </p:tgtEl>
@@ -9037,7 +7150,7 @@
 </p:sld>
 </file>
 
-<file path=ppt/slides/slide8.xml><?xml version="1.0" encoding="utf-8"?>
+<file path=ppt/slides/slide7.xml><?xml version="1.0" encoding="utf-8"?>
 <p:sld xmlns:a="http://schemas.openxmlformats.org/drawingml/2006/main" xmlns:r="http://schemas.openxmlformats.org/officeDocument/2006/relationships" xmlns:p="http://schemas.openxmlformats.org/presentationml/2006/main">
   <p:cSld>
     <p:spTree>
@@ -9100,66 +7213,37 @@
           <a:lstStyle/>
           <a:p>
             <a:r>
-              <a:rPr lang="en-US" sz="2400" b="1" dirty="0">
-                <a:solidFill>
-                  <a:schemeClr val="tx1"/>
-                </a:solidFill>
-              </a:rPr>
-              <a:t>The game still needs a name!</a:t>
+              <a:rPr lang="en-US" sz="2400" dirty="0"/>
+              <a:t>Improved mobile interface</a:t>
             </a:r>
-          </a:p>
-          <a:p>
-            <a:r>
+            <a:br>
               <a:rPr lang="en-US" sz="2400" dirty="0"/>
-              <a:t>Improved mobile version</a:t>
-            </a:r>
-          </a:p>
-          <a:p>
-            <a:r>
-              <a:rPr lang="en-US" sz="2400" dirty="0"/>
-              <a:t>More client types</a:t>
-            </a:r>
-          </a:p>
-          <a:p>
-            <a:r>
-              <a:rPr lang="en-US" sz="2400" dirty="0"/>
-              <a:t>Different character types</a:t>
-            </a:r>
-          </a:p>
-          <a:p>
-            <a:r>
-              <a:rPr lang="en-US" sz="2400" dirty="0"/>
-              <a:t>More monster types</a:t>
-            </a:r>
+            </a:br>
+            <a:endParaRPr lang="en-US" sz="2400" dirty="0"/>
           </a:p>
           <a:p>
             <a:r>
               <a:rPr lang="en-US" sz="2400" dirty="0"/>
               <a:t>Ranged weapons</a:t>
             </a:r>
+            <a:br>
+              <a:rPr lang="en-US" sz="2400" dirty="0"/>
+            </a:br>
+            <a:endParaRPr lang="en-US" sz="2400" dirty="0"/>
           </a:p>
           <a:p>
             <a:r>
               <a:rPr lang="en-US" sz="2400" dirty="0"/>
-              <a:t>A* search for monster movement</a:t>
+              <a:t>Improve monster AI</a:t>
             </a:r>
           </a:p>
           <a:p>
-            <a:r>
-              <a:rPr lang="en-CA" sz="2400" dirty="0"/>
-              <a:t>Vision algorithms/raytracing</a:t>
-            </a:r>
+            <a:endParaRPr lang="en-US" sz="2400" dirty="0"/>
           </a:p>
           <a:p>
             <a:r>
               <a:rPr lang="en-US" sz="2400" dirty="0"/>
               <a:t>Much larger dungeon – procedurally generated</a:t>
-            </a:r>
-          </a:p>
-          <a:p>
-            <a:r>
-              <a:rPr lang="en-US" sz="2400" dirty="0"/>
-              <a:t>Still many gameplay details to be worked out</a:t>
             </a:r>
           </a:p>
         </p:txBody>
@@ -9447,7 +7531,7 @@
                                         <p:tgtEl>
                                           <p:spTgt spid="3">
                                             <p:txEl>
-                                              <p:pRg st="3" end="3"/>
+                                              <p:pRg st="4" end="4"/>
                                             </p:txEl>
                                           </p:spTgt>
                                         </p:tgtEl>
@@ -9465,373 +7549,7 @@
                                         <p:tgtEl>
                                           <p:spTgt spid="3">
                                             <p:txEl>
-                                              <p:pRg st="3" end="3"/>
-                                            </p:txEl>
-                                          </p:spTgt>
-                                        </p:tgtEl>
-                                      </p:cBhvr>
-                                    </p:animEffect>
-                                  </p:childTnLst>
-                                </p:cTn>
-                              </p:par>
-                            </p:childTnLst>
-                          </p:cTn>
-                        </p:par>
-                      </p:childTnLst>
-                    </p:cTn>
-                  </p:par>
-                  <p:par>
-                    <p:cTn id="23" fill="hold">
-                      <p:stCondLst>
-                        <p:cond delay="indefinite"/>
-                      </p:stCondLst>
-                      <p:childTnLst>
-                        <p:par>
-                          <p:cTn id="24" fill="hold">
-                            <p:stCondLst>
-                              <p:cond delay="0"/>
-                            </p:stCondLst>
-                            <p:childTnLst>
-                              <p:par>
-                                <p:cTn id="25" presetID="10" presetClass="entr" presetSubtype="0" fill="hold" grpId="0" nodeType="clickEffect">
-                                  <p:stCondLst>
-                                    <p:cond delay="0"/>
-                                  </p:stCondLst>
-                                  <p:childTnLst>
-                                    <p:set>
-                                      <p:cBhvr>
-                                        <p:cTn id="26" dur="1" fill="hold">
-                                          <p:stCondLst>
-                                            <p:cond delay="0"/>
-                                          </p:stCondLst>
-                                        </p:cTn>
-                                        <p:tgtEl>
-                                          <p:spTgt spid="3">
-                                            <p:txEl>
                                               <p:pRg st="4" end="4"/>
-                                            </p:txEl>
-                                          </p:spTgt>
-                                        </p:tgtEl>
-                                        <p:attrNameLst>
-                                          <p:attrName>style.visibility</p:attrName>
-                                        </p:attrNameLst>
-                                      </p:cBhvr>
-                                      <p:to>
-                                        <p:strVal val="visible"/>
-                                      </p:to>
-                                    </p:set>
-                                    <p:animEffect transition="in" filter="fade">
-                                      <p:cBhvr>
-                                        <p:cTn id="27" dur="500"/>
-                                        <p:tgtEl>
-                                          <p:spTgt spid="3">
-                                            <p:txEl>
-                                              <p:pRg st="4" end="4"/>
-                                            </p:txEl>
-                                          </p:spTgt>
-                                        </p:tgtEl>
-                                      </p:cBhvr>
-                                    </p:animEffect>
-                                  </p:childTnLst>
-                                </p:cTn>
-                              </p:par>
-                            </p:childTnLst>
-                          </p:cTn>
-                        </p:par>
-                      </p:childTnLst>
-                    </p:cTn>
-                  </p:par>
-                  <p:par>
-                    <p:cTn id="28" fill="hold">
-                      <p:stCondLst>
-                        <p:cond delay="indefinite"/>
-                      </p:stCondLst>
-                      <p:childTnLst>
-                        <p:par>
-                          <p:cTn id="29" fill="hold">
-                            <p:stCondLst>
-                              <p:cond delay="0"/>
-                            </p:stCondLst>
-                            <p:childTnLst>
-                              <p:par>
-                                <p:cTn id="30" presetID="10" presetClass="entr" presetSubtype="0" fill="hold" grpId="0" nodeType="clickEffect">
-                                  <p:stCondLst>
-                                    <p:cond delay="0"/>
-                                  </p:stCondLst>
-                                  <p:childTnLst>
-                                    <p:set>
-                                      <p:cBhvr>
-                                        <p:cTn id="31" dur="1" fill="hold">
-                                          <p:stCondLst>
-                                            <p:cond delay="0"/>
-                                          </p:stCondLst>
-                                        </p:cTn>
-                                        <p:tgtEl>
-                                          <p:spTgt spid="3">
-                                            <p:txEl>
-                                              <p:pRg st="5" end="5"/>
-                                            </p:txEl>
-                                          </p:spTgt>
-                                        </p:tgtEl>
-                                        <p:attrNameLst>
-                                          <p:attrName>style.visibility</p:attrName>
-                                        </p:attrNameLst>
-                                      </p:cBhvr>
-                                      <p:to>
-                                        <p:strVal val="visible"/>
-                                      </p:to>
-                                    </p:set>
-                                    <p:animEffect transition="in" filter="fade">
-                                      <p:cBhvr>
-                                        <p:cTn id="32" dur="500"/>
-                                        <p:tgtEl>
-                                          <p:spTgt spid="3">
-                                            <p:txEl>
-                                              <p:pRg st="5" end="5"/>
-                                            </p:txEl>
-                                          </p:spTgt>
-                                        </p:tgtEl>
-                                      </p:cBhvr>
-                                    </p:animEffect>
-                                  </p:childTnLst>
-                                </p:cTn>
-                              </p:par>
-                            </p:childTnLst>
-                          </p:cTn>
-                        </p:par>
-                      </p:childTnLst>
-                    </p:cTn>
-                  </p:par>
-                  <p:par>
-                    <p:cTn id="33" fill="hold">
-                      <p:stCondLst>
-                        <p:cond delay="indefinite"/>
-                      </p:stCondLst>
-                      <p:childTnLst>
-                        <p:par>
-                          <p:cTn id="34" fill="hold">
-                            <p:stCondLst>
-                              <p:cond delay="0"/>
-                            </p:stCondLst>
-                            <p:childTnLst>
-                              <p:par>
-                                <p:cTn id="35" presetID="10" presetClass="entr" presetSubtype="0" fill="hold" grpId="0" nodeType="clickEffect">
-                                  <p:stCondLst>
-                                    <p:cond delay="0"/>
-                                  </p:stCondLst>
-                                  <p:childTnLst>
-                                    <p:set>
-                                      <p:cBhvr>
-                                        <p:cTn id="36" dur="1" fill="hold">
-                                          <p:stCondLst>
-                                            <p:cond delay="0"/>
-                                          </p:stCondLst>
-                                        </p:cTn>
-                                        <p:tgtEl>
-                                          <p:spTgt spid="3">
-                                            <p:txEl>
-                                              <p:pRg st="6" end="6"/>
-                                            </p:txEl>
-                                          </p:spTgt>
-                                        </p:tgtEl>
-                                        <p:attrNameLst>
-                                          <p:attrName>style.visibility</p:attrName>
-                                        </p:attrNameLst>
-                                      </p:cBhvr>
-                                      <p:to>
-                                        <p:strVal val="visible"/>
-                                      </p:to>
-                                    </p:set>
-                                    <p:animEffect transition="in" filter="fade">
-                                      <p:cBhvr>
-                                        <p:cTn id="37" dur="500"/>
-                                        <p:tgtEl>
-                                          <p:spTgt spid="3">
-                                            <p:txEl>
-                                              <p:pRg st="6" end="6"/>
-                                            </p:txEl>
-                                          </p:spTgt>
-                                        </p:tgtEl>
-                                      </p:cBhvr>
-                                    </p:animEffect>
-                                  </p:childTnLst>
-                                </p:cTn>
-                              </p:par>
-                            </p:childTnLst>
-                          </p:cTn>
-                        </p:par>
-                      </p:childTnLst>
-                    </p:cTn>
-                  </p:par>
-                  <p:par>
-                    <p:cTn id="38" fill="hold">
-                      <p:stCondLst>
-                        <p:cond delay="indefinite"/>
-                      </p:stCondLst>
-                      <p:childTnLst>
-                        <p:par>
-                          <p:cTn id="39" fill="hold">
-                            <p:stCondLst>
-                              <p:cond delay="0"/>
-                            </p:stCondLst>
-                            <p:childTnLst>
-                              <p:par>
-                                <p:cTn id="40" presetID="10" presetClass="entr" presetSubtype="0" fill="hold" grpId="0" nodeType="clickEffect">
-                                  <p:stCondLst>
-                                    <p:cond delay="0"/>
-                                  </p:stCondLst>
-                                  <p:childTnLst>
-                                    <p:set>
-                                      <p:cBhvr>
-                                        <p:cTn id="41" dur="1" fill="hold">
-                                          <p:stCondLst>
-                                            <p:cond delay="0"/>
-                                          </p:stCondLst>
-                                        </p:cTn>
-                                        <p:tgtEl>
-                                          <p:spTgt spid="3">
-                                            <p:txEl>
-                                              <p:pRg st="7" end="7"/>
-                                            </p:txEl>
-                                          </p:spTgt>
-                                        </p:tgtEl>
-                                        <p:attrNameLst>
-                                          <p:attrName>style.visibility</p:attrName>
-                                        </p:attrNameLst>
-                                      </p:cBhvr>
-                                      <p:to>
-                                        <p:strVal val="visible"/>
-                                      </p:to>
-                                    </p:set>
-                                    <p:animEffect transition="in" filter="fade">
-                                      <p:cBhvr>
-                                        <p:cTn id="42" dur="500"/>
-                                        <p:tgtEl>
-                                          <p:spTgt spid="3">
-                                            <p:txEl>
-                                              <p:pRg st="7" end="7"/>
-                                            </p:txEl>
-                                          </p:spTgt>
-                                        </p:tgtEl>
-                                      </p:cBhvr>
-                                    </p:animEffect>
-                                  </p:childTnLst>
-                                </p:cTn>
-                              </p:par>
-                            </p:childTnLst>
-                          </p:cTn>
-                        </p:par>
-                      </p:childTnLst>
-                    </p:cTn>
-                  </p:par>
-                  <p:par>
-                    <p:cTn id="43" fill="hold">
-                      <p:stCondLst>
-                        <p:cond delay="indefinite"/>
-                      </p:stCondLst>
-                      <p:childTnLst>
-                        <p:par>
-                          <p:cTn id="44" fill="hold">
-                            <p:stCondLst>
-                              <p:cond delay="0"/>
-                            </p:stCondLst>
-                            <p:childTnLst>
-                              <p:par>
-                                <p:cTn id="45" presetID="10" presetClass="entr" presetSubtype="0" fill="hold" grpId="0" nodeType="clickEffect">
-                                  <p:stCondLst>
-                                    <p:cond delay="0"/>
-                                  </p:stCondLst>
-                                  <p:childTnLst>
-                                    <p:set>
-                                      <p:cBhvr>
-                                        <p:cTn id="46" dur="1" fill="hold">
-                                          <p:stCondLst>
-                                            <p:cond delay="0"/>
-                                          </p:stCondLst>
-                                        </p:cTn>
-                                        <p:tgtEl>
-                                          <p:spTgt spid="3">
-                                            <p:txEl>
-                                              <p:pRg st="8" end="8"/>
-                                            </p:txEl>
-                                          </p:spTgt>
-                                        </p:tgtEl>
-                                        <p:attrNameLst>
-                                          <p:attrName>style.visibility</p:attrName>
-                                        </p:attrNameLst>
-                                      </p:cBhvr>
-                                      <p:to>
-                                        <p:strVal val="visible"/>
-                                      </p:to>
-                                    </p:set>
-                                    <p:animEffect transition="in" filter="fade">
-                                      <p:cBhvr>
-                                        <p:cTn id="47" dur="500"/>
-                                        <p:tgtEl>
-                                          <p:spTgt spid="3">
-                                            <p:txEl>
-                                              <p:pRg st="8" end="8"/>
-                                            </p:txEl>
-                                          </p:spTgt>
-                                        </p:tgtEl>
-                                      </p:cBhvr>
-                                    </p:animEffect>
-                                  </p:childTnLst>
-                                </p:cTn>
-                              </p:par>
-                            </p:childTnLst>
-                          </p:cTn>
-                        </p:par>
-                      </p:childTnLst>
-                    </p:cTn>
-                  </p:par>
-                  <p:par>
-                    <p:cTn id="48" fill="hold">
-                      <p:stCondLst>
-                        <p:cond delay="indefinite"/>
-                      </p:stCondLst>
-                      <p:childTnLst>
-                        <p:par>
-                          <p:cTn id="49" fill="hold">
-                            <p:stCondLst>
-                              <p:cond delay="0"/>
-                            </p:stCondLst>
-                            <p:childTnLst>
-                              <p:par>
-                                <p:cTn id="50" presetID="10" presetClass="entr" presetSubtype="0" fill="hold" grpId="0" nodeType="clickEffect">
-                                  <p:stCondLst>
-                                    <p:cond delay="0"/>
-                                  </p:stCondLst>
-                                  <p:childTnLst>
-                                    <p:set>
-                                      <p:cBhvr>
-                                        <p:cTn id="51" dur="1" fill="hold">
-                                          <p:stCondLst>
-                                            <p:cond delay="0"/>
-                                          </p:stCondLst>
-                                        </p:cTn>
-                                        <p:tgtEl>
-                                          <p:spTgt spid="3">
-                                            <p:txEl>
-                                              <p:pRg st="9" end="9"/>
-                                            </p:txEl>
-                                          </p:spTgt>
-                                        </p:tgtEl>
-                                        <p:attrNameLst>
-                                          <p:attrName>style.visibility</p:attrName>
-                                        </p:attrNameLst>
-                                      </p:cBhvr>
-                                      <p:to>
-                                        <p:strVal val="visible"/>
-                                      </p:to>
-                                    </p:set>
-                                    <p:animEffect transition="in" filter="fade">
-                                      <p:cBhvr>
-                                        <p:cTn id="52" dur="500"/>
-                                        <p:tgtEl>
-                                          <p:spTgt spid="3">
-                                            <p:txEl>
-                                              <p:pRg st="9" end="9"/>
                                             </p:txEl>
                                           </p:spTgt>
                                         </p:tgtEl>
@@ -9874,7 +7592,7 @@
 </p:sld>
 </file>
 
-<file path=ppt/slides/slide9.xml><?xml version="1.0" encoding="utf-8"?>
+<file path=ppt/slides/slide8.xml><?xml version="1.0" encoding="utf-8"?>
 <p:sld xmlns:a="http://schemas.openxmlformats.org/drawingml/2006/main" xmlns:r="http://schemas.openxmlformats.org/officeDocument/2006/relationships" xmlns:p="http://schemas.openxmlformats.org/presentationml/2006/main">
   <p:cSld>
     <p:spTree>
@@ -10206,6 +7924,756 @@
   <p:clrMapOvr>
     <a:masterClrMapping/>
   </p:clrMapOvr>
+</p:sld>
+</file>
+
+<file path=ppt/slides/slide9.xml><?xml version="1.0" encoding="utf-8"?>
+<p:sld xmlns:a="http://schemas.openxmlformats.org/drawingml/2006/main" xmlns:r="http://schemas.openxmlformats.org/officeDocument/2006/relationships" xmlns:p="http://schemas.openxmlformats.org/presentationml/2006/main">
+  <p:cSld>
+    <p:spTree>
+      <p:nvGrpSpPr>
+        <p:cNvPr id="1" name=""/>
+        <p:cNvGrpSpPr/>
+        <p:nvPr/>
+      </p:nvGrpSpPr>
+      <p:grpSpPr>
+        <a:xfrm>
+          <a:off x="0" y="0"/>
+          <a:ext cx="0" cy="0"/>
+          <a:chOff x="0" y="0"/>
+          <a:chExt cx="0" cy="0"/>
+        </a:xfrm>
+      </p:grpSpPr>
+      <p:sp>
+        <p:nvSpPr>
+          <p:cNvPr id="2" name="Title 1"/>
+          <p:cNvSpPr>
+            <a:spLocks noGrp="1"/>
+          </p:cNvSpPr>
+          <p:nvPr>
+            <p:ph type="title"/>
+          </p:nvPr>
+        </p:nvSpPr>
+        <p:spPr/>
+        <p:txBody>
+          <a:bodyPr/>
+          <a:lstStyle/>
+          <a:p>
+            <a:r>
+              <a:rPr lang="en-US" dirty="0"/>
+              <a:t>Thank You!</a:t>
+            </a:r>
+            <a:endParaRPr dirty="0"/>
+          </a:p>
+        </p:txBody>
+      </p:sp>
+      <p:sp>
+        <p:nvSpPr>
+          <p:cNvPr id="3" name="Content Placeholder 13"/>
+          <p:cNvSpPr>
+            <a:spLocks noGrp="1"/>
+          </p:cNvSpPr>
+          <p:nvPr>
+            <p:ph sz="half" idx="1"/>
+          </p:nvPr>
+        </p:nvSpPr>
+        <p:spPr>
+          <a:xfrm>
+            <a:off x="457200" y="1295400"/>
+            <a:ext cx="10591800" cy="4648200"/>
+          </a:xfrm>
+        </p:spPr>
+        <p:txBody>
+          <a:bodyPr>
+            <a:noAutofit/>
+          </a:bodyPr>
+          <a:lstStyle/>
+          <a:p>
+            <a:pPr>
+              <a:lnSpc>
+                <a:spcPct val="150000"/>
+              </a:lnSpc>
+            </a:pPr>
+            <a:r>
+              <a:rPr lang="en-US" sz="2800" dirty="0"/>
+              <a:t>C64 Networking code: Per </a:t>
+            </a:r>
+            <a:r>
+              <a:rPr lang="en-US" sz="2800" dirty="0" err="1"/>
+              <a:t>Olofsson</a:t>
+            </a:r>
+            <a:r>
+              <a:rPr lang="en-US" sz="2800" dirty="0"/>
+              <a:t>, </a:t>
+            </a:r>
+            <a:r>
+              <a:rPr lang="en-US" sz="2800" dirty="0" err="1"/>
+              <a:t>Jonno</a:t>
+            </a:r>
+            <a:r>
+              <a:rPr lang="en-US" sz="2800" dirty="0"/>
+              <a:t> Downes, Scott </a:t>
+            </a:r>
+            <a:r>
+              <a:rPr lang="en-US" sz="2800" dirty="0" err="1"/>
+              <a:t>Hutter</a:t>
+            </a:r>
+            <a:endParaRPr lang="en-US" sz="2800" dirty="0"/>
+          </a:p>
+          <a:p>
+            <a:pPr>
+              <a:lnSpc>
+                <a:spcPct val="150000"/>
+              </a:lnSpc>
+            </a:pPr>
+            <a:r>
+              <a:rPr lang="en-US" sz="2800" dirty="0"/>
+              <a:t>Playtesting: Andreas </a:t>
+            </a:r>
+            <a:r>
+              <a:rPr lang="en-US" sz="2800" dirty="0" err="1"/>
+              <a:t>Bloomquist</a:t>
+            </a:r>
+            <a:r>
+              <a:rPr lang="en-US" sz="2800" dirty="0"/>
+              <a:t> and Mark </a:t>
+            </a:r>
+            <a:r>
+              <a:rPr lang="en-US" sz="2800" dirty="0" err="1"/>
+              <a:t>Seelye</a:t>
+            </a:r>
+            <a:endParaRPr lang="en-US" sz="2800" dirty="0"/>
+          </a:p>
+          <a:p>
+            <a:pPr>
+              <a:lnSpc>
+                <a:spcPct val="150000"/>
+              </a:lnSpc>
+            </a:pPr>
+            <a:r>
+              <a:rPr lang="en-US" sz="2800" dirty="0"/>
+              <a:t>Graphics:  “q0w/Atlantis”</a:t>
+            </a:r>
+          </a:p>
+          <a:p>
+            <a:pPr>
+              <a:lnSpc>
+                <a:spcPct val="150000"/>
+              </a:lnSpc>
+            </a:pPr>
+            <a:r>
+              <a:rPr lang="en-US" sz="2800" dirty="0"/>
+              <a:t>Advice and motivation: Robin </a:t>
+            </a:r>
+            <a:r>
+              <a:rPr lang="en-US" sz="2800" dirty="0" err="1"/>
+              <a:t>Harbron</a:t>
+            </a:r>
+            <a:endParaRPr lang="en-US" sz="2800" dirty="0"/>
+          </a:p>
+          <a:p>
+            <a:pPr>
+              <a:lnSpc>
+                <a:spcPct val="150000"/>
+              </a:lnSpc>
+            </a:pPr>
+            <a:r>
+              <a:rPr lang="en-CA" sz="2800" dirty="0">
+                <a:solidFill>
+                  <a:srgbClr val="00B0F0"/>
+                </a:solidFill>
+              </a:rPr>
+              <a:t>/r/</a:t>
+            </a:r>
+            <a:r>
+              <a:rPr lang="en-CA" sz="2800" dirty="0" err="1">
+                <a:solidFill>
+                  <a:srgbClr val="00B0F0"/>
+                </a:solidFill>
+              </a:rPr>
+              <a:t>roguelikedev</a:t>
+            </a:r>
+            <a:r>
+              <a:rPr lang="en-CA" sz="2800" dirty="0">
+                <a:solidFill>
+                  <a:srgbClr val="00B0F0"/>
+                </a:solidFill>
+              </a:rPr>
+              <a:t> </a:t>
+            </a:r>
+            <a:r>
+              <a:rPr lang="en-CA" sz="2800" dirty="0"/>
+              <a:t>community on </a:t>
+            </a:r>
+            <a:r>
+              <a:rPr lang="en-CA" sz="2800" dirty="0" err="1"/>
+              <a:t>Reddit</a:t>
+            </a:r>
+            <a:endParaRPr lang="en-CA" sz="2800" dirty="0"/>
+          </a:p>
+          <a:p>
+            <a:pPr>
+              <a:lnSpc>
+                <a:spcPct val="150000"/>
+              </a:lnSpc>
+            </a:pPr>
+            <a:r>
+              <a:rPr lang="en-US" sz="2800" dirty="0"/>
+              <a:t>The organizers of Roguelike Celebration!</a:t>
+            </a:r>
+            <a:endParaRPr lang="en-CA" sz="2800" dirty="0"/>
+          </a:p>
+          <a:p>
+            <a:pPr marL="0" indent="0">
+              <a:lnSpc>
+                <a:spcPct val="150000"/>
+              </a:lnSpc>
+              <a:buNone/>
+            </a:pPr>
+            <a:endParaRPr lang="en-US" sz="2800" dirty="0"/>
+          </a:p>
+          <a:p>
+            <a:pPr>
+              <a:lnSpc>
+                <a:spcPct val="150000"/>
+              </a:lnSpc>
+            </a:pPr>
+            <a:endParaRPr sz="2800" dirty="0"/>
+          </a:p>
+        </p:txBody>
+      </p:sp>
+      <p:pic>
+        <p:nvPicPr>
+          <p:cNvPr id="9" name="Picture 2"/>
+          <p:cNvPicPr>
+            <a:picLocks noChangeAspect="1" noChangeArrowheads="1"/>
+          </p:cNvPicPr>
+          <p:nvPr/>
+        </p:nvPicPr>
+        <p:blipFill>
+          <a:blip r:embed="rId2">
+            <a:extLst>
+              <a:ext uri="{28A0092B-C50C-407E-A947-70E740481C1C}">
+                <a14:useLocalDpi xmlns:a14="http://schemas.microsoft.com/office/drawing/2010/main" val="0"/>
+              </a:ext>
+            </a:extLst>
+          </a:blip>
+          <a:srcRect/>
+          <a:stretch>
+            <a:fillRect/>
+          </a:stretch>
+        </p:blipFill>
+        <p:spPr bwMode="auto">
+          <a:xfrm>
+            <a:off x="10439400" y="381000"/>
+            <a:ext cx="1219200" cy="829056"/>
+          </a:xfrm>
+          <a:prstGeom prst="rect">
+            <a:avLst/>
+          </a:prstGeom>
+          <a:noFill/>
+          <a:ln>
+            <a:noFill/>
+          </a:ln>
+          <a:extLst>
+            <a:ext uri="{909E8E84-426E-40DD-AFC4-6F175D3DCCD1}">
+              <a14:hiddenFill xmlns:a14="http://schemas.microsoft.com/office/drawing/2010/main">
+                <a:solidFill>
+                  <a:schemeClr val="accent1"/>
+                </a:solidFill>
+              </a14:hiddenFill>
+            </a:ext>
+            <a:ext uri="{91240B29-F687-4F45-9708-019B960494DF}">
+              <a14:hiddenLine xmlns:a14="http://schemas.microsoft.com/office/drawing/2010/main" w="9525">
+                <a:solidFill>
+                  <a:schemeClr val="tx1"/>
+                </a:solidFill>
+                <a:miter lim="800000"/>
+                <a:headEnd/>
+                <a:tailEnd/>
+              </a14:hiddenLine>
+            </a:ext>
+          </a:extLst>
+        </p:spPr>
+      </p:pic>
+      <p:pic>
+        <p:nvPicPr>
+          <p:cNvPr id="10" name="Picture 3"/>
+          <p:cNvPicPr>
+            <a:picLocks noChangeAspect="1" noChangeArrowheads="1"/>
+          </p:cNvPicPr>
+          <p:nvPr/>
+        </p:nvPicPr>
+        <p:blipFill>
+          <a:blip r:embed="rId3">
+            <a:extLst>
+              <a:ext uri="{28A0092B-C50C-407E-A947-70E740481C1C}">
+                <a14:useLocalDpi xmlns:a14="http://schemas.microsoft.com/office/drawing/2010/main" val="0"/>
+              </a:ext>
+            </a:extLst>
+          </a:blip>
+          <a:srcRect/>
+          <a:stretch>
+            <a:fillRect/>
+          </a:stretch>
+        </p:blipFill>
+        <p:spPr bwMode="auto">
+          <a:xfrm>
+            <a:off x="8077200" y="5912738"/>
+            <a:ext cx="495300" cy="421006"/>
+          </a:xfrm>
+          <a:prstGeom prst="rect">
+            <a:avLst/>
+          </a:prstGeom>
+          <a:noFill/>
+          <a:ln>
+            <a:noFill/>
+          </a:ln>
+          <a:extLst>
+            <a:ext uri="{909E8E84-426E-40DD-AFC4-6F175D3DCCD1}">
+              <a14:hiddenFill xmlns:a14="http://schemas.microsoft.com/office/drawing/2010/main">
+                <a:solidFill>
+                  <a:schemeClr val="accent1"/>
+                </a:solidFill>
+              </a14:hiddenFill>
+            </a:ext>
+            <a:ext uri="{91240B29-F687-4F45-9708-019B960494DF}">
+              <a14:hiddenLine xmlns:a14="http://schemas.microsoft.com/office/drawing/2010/main" w="9525">
+                <a:solidFill>
+                  <a:schemeClr val="tx1"/>
+                </a:solidFill>
+                <a:miter lim="800000"/>
+                <a:headEnd/>
+                <a:tailEnd/>
+              </a14:hiddenLine>
+            </a:ext>
+          </a:extLst>
+        </p:spPr>
+      </p:pic>
+      <p:pic>
+        <p:nvPicPr>
+          <p:cNvPr id="13314" name="Picture 2"/>
+          <p:cNvPicPr>
+            <a:picLocks noChangeAspect="1" noChangeArrowheads="1"/>
+          </p:cNvPicPr>
+          <p:nvPr/>
+        </p:nvPicPr>
+        <p:blipFill>
+          <a:blip r:embed="rId4">
+            <a:extLst>
+              <a:ext uri="{28A0092B-C50C-407E-A947-70E740481C1C}">
+                <a14:useLocalDpi xmlns:a14="http://schemas.microsoft.com/office/drawing/2010/main" val="0"/>
+              </a:ext>
+            </a:extLst>
+          </a:blip>
+          <a:srcRect/>
+          <a:stretch>
+            <a:fillRect/>
+          </a:stretch>
+        </p:blipFill>
+        <p:spPr bwMode="auto">
+          <a:xfrm>
+            <a:off x="1524000" y="6039172"/>
+            <a:ext cx="374228" cy="421007"/>
+          </a:xfrm>
+          <a:prstGeom prst="rect">
+            <a:avLst/>
+          </a:prstGeom>
+          <a:noFill/>
+          <a:ln>
+            <a:noFill/>
+          </a:ln>
+          <a:extLst>
+            <a:ext uri="{909E8E84-426E-40DD-AFC4-6F175D3DCCD1}">
+              <a14:hiddenFill xmlns:a14="http://schemas.microsoft.com/office/drawing/2010/main">
+                <a:solidFill>
+                  <a:schemeClr val="accent1"/>
+                </a:solidFill>
+              </a14:hiddenFill>
+            </a:ext>
+            <a:ext uri="{91240B29-F687-4F45-9708-019B960494DF}">
+              <a14:hiddenLine xmlns:a14="http://schemas.microsoft.com/office/drawing/2010/main" w="9525">
+                <a:solidFill>
+                  <a:schemeClr val="tx1"/>
+                </a:solidFill>
+                <a:miter lim="800000"/>
+                <a:headEnd/>
+                <a:tailEnd/>
+              </a14:hiddenLine>
+            </a:ext>
+          </a:extLst>
+        </p:spPr>
+      </p:pic>
+      <p:pic>
+        <p:nvPicPr>
+          <p:cNvPr id="12" name="Picture 2"/>
+          <p:cNvPicPr>
+            <a:picLocks noChangeAspect="1" noChangeArrowheads="1"/>
+          </p:cNvPicPr>
+          <p:nvPr/>
+        </p:nvPicPr>
+        <p:blipFill>
+          <a:blip r:embed="rId4">
+            <a:extLst>
+              <a:ext uri="{28A0092B-C50C-407E-A947-70E740481C1C}">
+                <a14:useLocalDpi xmlns:a14="http://schemas.microsoft.com/office/drawing/2010/main" val="0"/>
+              </a:ext>
+            </a:extLst>
+          </a:blip>
+          <a:srcRect/>
+          <a:stretch>
+            <a:fillRect/>
+          </a:stretch>
+        </p:blipFill>
+        <p:spPr bwMode="auto">
+          <a:xfrm>
+            <a:off x="9525000" y="4181474"/>
+            <a:ext cx="550333" cy="619125"/>
+          </a:xfrm>
+          <a:prstGeom prst="rect">
+            <a:avLst/>
+          </a:prstGeom>
+          <a:noFill/>
+          <a:ln>
+            <a:noFill/>
+          </a:ln>
+          <a:extLst>
+            <a:ext uri="{909E8E84-426E-40DD-AFC4-6F175D3DCCD1}">
+              <a14:hiddenFill xmlns:a14="http://schemas.microsoft.com/office/drawing/2010/main">
+                <a:solidFill>
+                  <a:schemeClr val="accent1"/>
+                </a:solidFill>
+              </a14:hiddenFill>
+            </a:ext>
+            <a:ext uri="{91240B29-F687-4F45-9708-019B960494DF}">
+              <a14:hiddenLine xmlns:a14="http://schemas.microsoft.com/office/drawing/2010/main" w="9525">
+                <a:solidFill>
+                  <a:schemeClr val="tx1"/>
+                </a:solidFill>
+                <a:miter lim="800000"/>
+                <a:headEnd/>
+                <a:tailEnd/>
+              </a14:hiddenLine>
+            </a:ext>
+          </a:extLst>
+        </p:spPr>
+      </p:pic>
+    </p:spTree>
+    <p:extLst>
+      <p:ext uri="{BB962C8B-B14F-4D97-AF65-F5344CB8AC3E}">
+        <p14:creationId xmlns:p14="http://schemas.microsoft.com/office/powerpoint/2010/main" val="3409607792"/>
+      </p:ext>
+    </p:extLst>
+  </p:cSld>
+  <p:clrMapOvr>
+    <a:masterClrMapping/>
+  </p:clrMapOvr>
+  <p:timing>
+    <p:tnLst>
+      <p:par>
+        <p:cTn id="1" dur="indefinite" restart="never" nodeType="tmRoot">
+          <p:childTnLst>
+            <p:seq concurrent="1" nextAc="seek">
+              <p:cTn id="2" dur="indefinite" nodeType="mainSeq">
+                <p:childTnLst>
+                  <p:par>
+                    <p:cTn id="3" fill="hold">
+                      <p:stCondLst>
+                        <p:cond delay="indefinite"/>
+                      </p:stCondLst>
+                      <p:childTnLst>
+                        <p:par>
+                          <p:cTn id="4" fill="hold">
+                            <p:stCondLst>
+                              <p:cond delay="0"/>
+                            </p:stCondLst>
+                            <p:childTnLst>
+                              <p:par>
+                                <p:cTn id="5" presetID="10" presetClass="entr" presetSubtype="0" fill="hold" nodeType="clickEffect">
+                                  <p:stCondLst>
+                                    <p:cond delay="0"/>
+                                  </p:stCondLst>
+                                  <p:childTnLst>
+                                    <p:set>
+                                      <p:cBhvr>
+                                        <p:cTn id="6" dur="1" fill="hold">
+                                          <p:stCondLst>
+                                            <p:cond delay="0"/>
+                                          </p:stCondLst>
+                                        </p:cTn>
+                                        <p:tgtEl>
+                                          <p:spTgt spid="3">
+                                            <p:txEl>
+                                              <p:pRg st="0" end="0"/>
+                                            </p:txEl>
+                                          </p:spTgt>
+                                        </p:tgtEl>
+                                        <p:attrNameLst>
+                                          <p:attrName>style.visibility</p:attrName>
+                                        </p:attrNameLst>
+                                      </p:cBhvr>
+                                      <p:to>
+                                        <p:strVal val="visible"/>
+                                      </p:to>
+                                    </p:set>
+                                    <p:animEffect transition="in" filter="fade">
+                                      <p:cBhvr>
+                                        <p:cTn id="7" dur="500"/>
+                                        <p:tgtEl>
+                                          <p:spTgt spid="3">
+                                            <p:txEl>
+                                              <p:pRg st="0" end="0"/>
+                                            </p:txEl>
+                                          </p:spTgt>
+                                        </p:tgtEl>
+                                      </p:cBhvr>
+                                    </p:animEffect>
+                                  </p:childTnLst>
+                                </p:cTn>
+                              </p:par>
+                              <p:par>
+                                <p:cTn id="8" presetID="10" presetClass="entr" presetSubtype="0" fill="hold" nodeType="withEffect">
+                                  <p:stCondLst>
+                                    <p:cond delay="0"/>
+                                  </p:stCondLst>
+                                  <p:childTnLst>
+                                    <p:set>
+                                      <p:cBhvr>
+                                        <p:cTn id="9" dur="1" fill="hold">
+                                          <p:stCondLst>
+                                            <p:cond delay="0"/>
+                                          </p:stCondLst>
+                                        </p:cTn>
+                                        <p:tgtEl>
+                                          <p:spTgt spid="3">
+                                            <p:txEl>
+                                              <p:pRg st="1" end="1"/>
+                                            </p:txEl>
+                                          </p:spTgt>
+                                        </p:tgtEl>
+                                        <p:attrNameLst>
+                                          <p:attrName>style.visibility</p:attrName>
+                                        </p:attrNameLst>
+                                      </p:cBhvr>
+                                      <p:to>
+                                        <p:strVal val="visible"/>
+                                      </p:to>
+                                    </p:set>
+                                    <p:animEffect transition="in" filter="fade">
+                                      <p:cBhvr>
+                                        <p:cTn id="10" dur="500"/>
+                                        <p:tgtEl>
+                                          <p:spTgt spid="3">
+                                            <p:txEl>
+                                              <p:pRg st="1" end="1"/>
+                                            </p:txEl>
+                                          </p:spTgt>
+                                        </p:tgtEl>
+                                      </p:cBhvr>
+                                    </p:animEffect>
+                                  </p:childTnLst>
+                                </p:cTn>
+                              </p:par>
+                              <p:par>
+                                <p:cTn id="11" presetID="10" presetClass="entr" presetSubtype="0" fill="hold" nodeType="withEffect">
+                                  <p:stCondLst>
+                                    <p:cond delay="0"/>
+                                  </p:stCondLst>
+                                  <p:childTnLst>
+                                    <p:set>
+                                      <p:cBhvr>
+                                        <p:cTn id="12" dur="1" fill="hold">
+                                          <p:stCondLst>
+                                            <p:cond delay="0"/>
+                                          </p:stCondLst>
+                                        </p:cTn>
+                                        <p:tgtEl>
+                                          <p:spTgt spid="3">
+                                            <p:txEl>
+                                              <p:pRg st="2" end="2"/>
+                                            </p:txEl>
+                                          </p:spTgt>
+                                        </p:tgtEl>
+                                        <p:attrNameLst>
+                                          <p:attrName>style.visibility</p:attrName>
+                                        </p:attrNameLst>
+                                      </p:cBhvr>
+                                      <p:to>
+                                        <p:strVal val="visible"/>
+                                      </p:to>
+                                    </p:set>
+                                    <p:animEffect transition="in" filter="fade">
+                                      <p:cBhvr>
+                                        <p:cTn id="13" dur="500"/>
+                                        <p:tgtEl>
+                                          <p:spTgt spid="3">
+                                            <p:txEl>
+                                              <p:pRg st="2" end="2"/>
+                                            </p:txEl>
+                                          </p:spTgt>
+                                        </p:tgtEl>
+                                      </p:cBhvr>
+                                    </p:animEffect>
+                                  </p:childTnLst>
+                                </p:cTn>
+                              </p:par>
+                              <p:par>
+                                <p:cTn id="14" presetID="10" presetClass="entr" presetSubtype="0" fill="hold" nodeType="withEffect">
+                                  <p:stCondLst>
+                                    <p:cond delay="0"/>
+                                  </p:stCondLst>
+                                  <p:childTnLst>
+                                    <p:set>
+                                      <p:cBhvr>
+                                        <p:cTn id="15" dur="1" fill="hold">
+                                          <p:stCondLst>
+                                            <p:cond delay="0"/>
+                                          </p:stCondLst>
+                                        </p:cTn>
+                                        <p:tgtEl>
+                                          <p:spTgt spid="3">
+                                            <p:txEl>
+                                              <p:pRg st="3" end="3"/>
+                                            </p:txEl>
+                                          </p:spTgt>
+                                        </p:tgtEl>
+                                        <p:attrNameLst>
+                                          <p:attrName>style.visibility</p:attrName>
+                                        </p:attrNameLst>
+                                      </p:cBhvr>
+                                      <p:to>
+                                        <p:strVal val="visible"/>
+                                      </p:to>
+                                    </p:set>
+                                    <p:animEffect transition="in" filter="fade">
+                                      <p:cBhvr>
+                                        <p:cTn id="16" dur="500"/>
+                                        <p:tgtEl>
+                                          <p:spTgt spid="3">
+                                            <p:txEl>
+                                              <p:pRg st="3" end="3"/>
+                                            </p:txEl>
+                                          </p:spTgt>
+                                        </p:tgtEl>
+                                      </p:cBhvr>
+                                    </p:animEffect>
+                                  </p:childTnLst>
+                                </p:cTn>
+                              </p:par>
+                              <p:par>
+                                <p:cTn id="17" presetID="10" presetClass="entr" presetSubtype="0" fill="hold" nodeType="withEffect">
+                                  <p:stCondLst>
+                                    <p:cond delay="0"/>
+                                  </p:stCondLst>
+                                  <p:childTnLst>
+                                    <p:set>
+                                      <p:cBhvr>
+                                        <p:cTn id="18" dur="1" fill="hold">
+                                          <p:stCondLst>
+                                            <p:cond delay="0"/>
+                                          </p:stCondLst>
+                                        </p:cTn>
+                                        <p:tgtEl>
+                                          <p:spTgt spid="3">
+                                            <p:txEl>
+                                              <p:pRg st="4" end="4"/>
+                                            </p:txEl>
+                                          </p:spTgt>
+                                        </p:tgtEl>
+                                        <p:attrNameLst>
+                                          <p:attrName>style.visibility</p:attrName>
+                                        </p:attrNameLst>
+                                      </p:cBhvr>
+                                      <p:to>
+                                        <p:strVal val="visible"/>
+                                      </p:to>
+                                    </p:set>
+                                    <p:animEffect transition="in" filter="fade">
+                                      <p:cBhvr>
+                                        <p:cTn id="19" dur="500"/>
+                                        <p:tgtEl>
+                                          <p:spTgt spid="3">
+                                            <p:txEl>
+                                              <p:pRg st="4" end="4"/>
+                                            </p:txEl>
+                                          </p:spTgt>
+                                        </p:tgtEl>
+                                      </p:cBhvr>
+                                    </p:animEffect>
+                                  </p:childTnLst>
+                                </p:cTn>
+                              </p:par>
+                              <p:par>
+                                <p:cTn id="20" presetID="10" presetClass="entr" presetSubtype="0" fill="hold" nodeType="withEffect">
+                                  <p:stCondLst>
+                                    <p:cond delay="0"/>
+                                  </p:stCondLst>
+                                  <p:childTnLst>
+                                    <p:set>
+                                      <p:cBhvr>
+                                        <p:cTn id="21" dur="1" fill="hold">
+                                          <p:stCondLst>
+                                            <p:cond delay="0"/>
+                                          </p:stCondLst>
+                                        </p:cTn>
+                                        <p:tgtEl>
+                                          <p:spTgt spid="3">
+                                            <p:txEl>
+                                              <p:pRg st="5" end="5"/>
+                                            </p:txEl>
+                                          </p:spTgt>
+                                        </p:tgtEl>
+                                        <p:attrNameLst>
+                                          <p:attrName>style.visibility</p:attrName>
+                                        </p:attrNameLst>
+                                      </p:cBhvr>
+                                      <p:to>
+                                        <p:strVal val="visible"/>
+                                      </p:to>
+                                    </p:set>
+                                    <p:animEffect transition="in" filter="fade">
+                                      <p:cBhvr>
+                                        <p:cTn id="22" dur="500"/>
+                                        <p:tgtEl>
+                                          <p:spTgt spid="3">
+                                            <p:txEl>
+                                              <p:pRg st="5" end="5"/>
+                                            </p:txEl>
+                                          </p:spTgt>
+                                        </p:tgtEl>
+                                      </p:cBhvr>
+                                    </p:animEffect>
+                                  </p:childTnLst>
+                                </p:cTn>
+                              </p:par>
+                            </p:childTnLst>
+                          </p:cTn>
+                        </p:par>
+                      </p:childTnLst>
+                    </p:cTn>
+                  </p:par>
+                </p:childTnLst>
+              </p:cTn>
+              <p:prevCondLst>
+                <p:cond evt="onPrev" delay="0">
+                  <p:tgtEl>
+                    <p:sldTgt/>
+                  </p:tgtEl>
+                </p:cond>
+              </p:prevCondLst>
+              <p:nextCondLst>
+                <p:cond evt="onNext" delay="0">
+                  <p:tgtEl>
+                    <p:sldTgt/>
+                  </p:tgtEl>
+                </p:cond>
+              </p:nextCondLst>
+            </p:seq>
+          </p:childTnLst>
+        </p:cTn>
+      </p:par>
+    </p:tnLst>
+  </p:timing>
 </p:sld>
 </file>
 
@@ -10993,15 +9461,6 @@
 </file>
 
 <file path=customXml/item1.xml><?xml version="1.0" encoding="utf-8"?>
-<?mso-contentType ?>
-<FormTemplates xmlns="http://schemas.microsoft.com/sharepoint/v3/contenttype/forms">
-  <Display>DocumentLibraryForm</Display>
-  <Edit>AssetEditForm</Edit>
-  <New>DocumentLibraryForm</New>
-</FormTemplates>
-</file>
-
-<file path=customXml/item2.xml><?xml version="1.0" encoding="utf-8"?>
 <p:properties xmlns:p="http://schemas.microsoft.com/office/2006/metadata/properties" xmlns:xsi="http://www.w3.org/2001/XMLSchema-instance" xmlns:pc="http://schemas.microsoft.com/office/infopath/2007/PartnerControls">
   <documentManagement>
     <DirectSourceMarket xmlns="4873beb7-5857-4685-be1f-d57550cc96cc" xsi:nil="true"/>
@@ -11125,6 +9584,15 @@
     <LocMarketGroupTiers2 xmlns="4873beb7-5857-4685-be1f-d57550cc96cc" xsi:nil="true"/>
   </documentManagement>
 </p:properties>
+</file>
+
+<file path=customXml/item2.xml><?xml version="1.0" encoding="utf-8"?>
+<?mso-contentType ?>
+<FormTemplates xmlns="http://schemas.microsoft.com/sharepoint/v3/contenttype/forms">
+  <Display>DocumentLibraryForm</Display>
+  <Edit>AssetEditForm</Edit>
+  <New>DocumentLibraryForm</New>
+</FormTemplates>
 </file>
 
 <file path=customXml/item3.xml><?xml version="1.0" encoding="utf-8"?>
@@ -12168,14 +10636,6 @@
 </file>
 
 <file path=customXml/itemProps1.xml><?xml version="1.0" encoding="utf-8"?>
-<ds:datastoreItem xmlns:ds="http://schemas.openxmlformats.org/officeDocument/2006/customXml" ds:itemID="{746CFF6F-D9AA-4BC0-911A-0A1356771912}">
-  <ds:schemaRefs>
-    <ds:schemaRef ds:uri="http://schemas.microsoft.com/sharepoint/v3/contenttype/forms"/>
-  </ds:schemaRefs>
-</ds:datastoreItem>
-</file>
-
-<file path=customXml/itemProps2.xml><?xml version="1.0" encoding="utf-8"?>
 <ds:datastoreItem xmlns:ds="http://schemas.openxmlformats.org/officeDocument/2006/customXml" ds:itemID="{04098515-0C12-46CF-BC7C-69B4A13CD5FA}">
   <ds:schemaRefs>
     <ds:schemaRef ds:uri="http://purl.org/dc/elements/1.1/"/>
@@ -12187,6 +10647,14 @@
     <ds:schemaRef ds:uri="http://schemas.microsoft.com/office/2006/documentManagement/types"/>
     <ds:schemaRef ds:uri="http://www.w3.org/XML/1998/namespace"/>
     <ds:schemaRef ds:uri="http://purl.org/dc/dcmitype/"/>
+  </ds:schemaRefs>
+</ds:datastoreItem>
+</file>
+
+<file path=customXml/itemProps2.xml><?xml version="1.0" encoding="utf-8"?>
+<ds:datastoreItem xmlns:ds="http://schemas.openxmlformats.org/officeDocument/2006/customXml" ds:itemID="{746CFF6F-D9AA-4BC0-911A-0A1356771912}">
+  <ds:schemaRefs>
+    <ds:schemaRef ds:uri="http://schemas.microsoft.com/sharepoint/v3/contenttype/forms"/>
   </ds:schemaRefs>
 </ds:datastoreItem>
 </file>
